--- a/docs/PJ2/1 Interação/Template_Plano_de_Iteracao.pptx
+++ b/docs/PJ2/1 Interação/Template_Plano_de_Iteracao.pptx
@@ -2,18 +2,19 @@
 <file path=ppt/presentation.xml><?xml version="1.0" encoding="utf-8"?>
 <p:presentation xmlns:a="http://schemas.openxmlformats.org/drawingml/2006/main" xmlns:r="http://schemas.openxmlformats.org/officeDocument/2006/relationships" xmlns:mc="http://schemas.openxmlformats.org/markup-compatibility/2006" xmlns:mv="urn:schemas-microsoft-com:mac:vml" xmlns:p="http://schemas.openxmlformats.org/presentationml/2006/main" xmlns:c="http://schemas.openxmlformats.org/drawingml/2006/chart" xmlns:dgm="http://schemas.openxmlformats.org/drawingml/2006/diagram" xmlns:o="urn:schemas-microsoft-com:office:office" xmlns:v="urn:schemas-microsoft-com:vml" xmlns:pvml="urn:schemas-microsoft-com:office:powerpoint" xmlns:com="http://schemas.openxmlformats.org/drawingml/2006/compatibility" xmlns:p14="http://schemas.microsoft.com/office/powerpoint/2010/main" xmlns:p15="http://schemas.microsoft.com/office/powerpoint/2012/main" autoCompressPictures="0" strictFirstAndLastChars="0" saveSubsetFonts="1">
   <p:sldMasterIdLst>
-    <p:sldMasterId id="2147483648" r:id="rId4"/>
+    <p:sldMasterId id="2147483648" r:id="rId6"/>
   </p:sldMasterIdLst>
   <p:notesMasterIdLst>
-    <p:notesMasterId r:id="rId5"/>
+    <p:notesMasterId r:id="rId7"/>
   </p:notesMasterIdLst>
   <p:sldIdLst>
-    <p:sldId id="256" r:id="rId6"/>
-    <p:sldId id="257" r:id="rId7"/>
-    <p:sldId id="258" r:id="rId8"/>
-    <p:sldId id="259" r:id="rId9"/>
-    <p:sldId id="260" r:id="rId10"/>
-    <p:sldId id="261" r:id="rId11"/>
+    <p:sldId id="256" r:id="rId8"/>
+    <p:sldId id="257" r:id="rId9"/>
+    <p:sldId id="258" r:id="rId10"/>
+    <p:sldId id="259" r:id="rId11"/>
+    <p:sldId id="260" r:id="rId12"/>
+    <p:sldId id="261" r:id="rId13"/>
+    <p:sldId id="262" r:id="rId14"/>
   </p:sldIdLst>
   <p:sldSz cy="6858000" cx="9144000"/>
   <p:notesSz cx="6858000" cy="9144000"/>
@@ -262,10 +263,50 @@
       </p15:sldGuideLst>
     </p:ext>
     <p:ext uri="http://customooxmlschemas.google.com/">
-      <go:slidesCustomData xmlns:go="http://customooxmlschemas.google.com/" r:id="rId12" roundtripDataSignature="AMtx7mgpRMjTgibDimJYKmUkLO3KNavC4w=="/>
+      <go:slidesCustomData xmlns:go="http://customooxmlschemas.google.com/" r:id="rId15" roundtripDataSignature="AMtx7mh+KJvDqwwAE4OJVdl9I8gl0DfcOQ=="/>
     </p:ext>
   </p:extLst>
 </p:presentation>
+</file>
+
+<file path=ppt/commentAuthors.xml><?xml version="1.0" encoding="utf-8"?>
+<p:cmAuthorLst xmlns:a="http://schemas.openxmlformats.org/drawingml/2006/main" xmlns:r="http://schemas.openxmlformats.org/officeDocument/2006/relationships" xmlns:mc="http://schemas.openxmlformats.org/markup-compatibility/2006" xmlns:mv="urn:schemas-microsoft-com:mac:vml" xmlns:p="http://schemas.openxmlformats.org/presentationml/2006/main" xmlns:c="http://schemas.openxmlformats.org/drawingml/2006/chart" xmlns:dgm="http://schemas.openxmlformats.org/drawingml/2006/diagram" xmlns:o="urn:schemas-microsoft-com:office:office" xmlns:v="urn:schemas-microsoft-com:vml" xmlns:pvml="urn:schemas-microsoft-com:office:powerpoint" xmlns:com="http://schemas.openxmlformats.org/drawingml/2006/compatibility" xmlns:p14="http://schemas.microsoft.com/office/powerpoint/2010/main" xmlns:p15="http://schemas.microsoft.com/office/powerpoint/2012/main">
+  <p:cmAuthor clrIdx="0" id="0" initials="" lastIdx="2" name="Tamires Siqueira Rocha"/>
+</p:cmAuthorLst>
+</file>
+
+<file path=ppt/comments/comment1.xml><?xml version="1.0" encoding="utf-8"?>
+<p:cmLst xmlns:a="http://schemas.openxmlformats.org/drawingml/2006/main" xmlns:r="http://schemas.openxmlformats.org/officeDocument/2006/relationships" xmlns:mc="http://schemas.openxmlformats.org/markup-compatibility/2006" xmlns:mv="urn:schemas-microsoft-com:mac:vml" xmlns:p="http://schemas.openxmlformats.org/presentationml/2006/main" xmlns:c="http://schemas.openxmlformats.org/drawingml/2006/chart" xmlns:dgm="http://schemas.openxmlformats.org/drawingml/2006/diagram" xmlns:o="urn:schemas-microsoft-com:office:office" xmlns:v="urn:schemas-microsoft-com:vml" xmlns:pvml="urn:schemas-microsoft-com:office:powerpoint" xmlns:com="http://schemas.openxmlformats.org/drawingml/2006/compatibility" xmlns:p14="http://schemas.microsoft.com/office/powerpoint/2010/main" xmlns:p15="http://schemas.microsoft.com/office/powerpoint/2012/main">
+  <p:cm authorId="0" idx="1" dt="2019-09-01T20:07:11.344">
+    <p:pos x="288" y="1008"/>
+    <p:text>modificar</p:text>
+    <p:extLst>
+      <p:ext uri="{C676402C-5697-4E1C-873F-D02D1690AC5C}">
+        <p15:threadingInfo timeZoneBias="0"/>
+      </p:ext>
+      <p:ext uri="http://customooxmlschemas.google.com/">
+        <go:slidesCustomData xmlns:go="http://customooxmlschemas.google.com/" commentPostId="AAAACw7MMdo"/>
+      </p:ext>
+    </p:extLst>
+  </p:cm>
+</p:cmLst>
+</file>
+
+<file path=ppt/comments/comment2.xml><?xml version="1.0" encoding="utf-8"?>
+<p:cmLst xmlns:a="http://schemas.openxmlformats.org/drawingml/2006/main" xmlns:r="http://schemas.openxmlformats.org/officeDocument/2006/relationships" xmlns:mc="http://schemas.openxmlformats.org/markup-compatibility/2006" xmlns:mv="urn:schemas-microsoft-com:mac:vml" xmlns:p="http://schemas.openxmlformats.org/presentationml/2006/main" xmlns:c="http://schemas.openxmlformats.org/drawingml/2006/chart" xmlns:dgm="http://schemas.openxmlformats.org/drawingml/2006/diagram" xmlns:o="urn:schemas-microsoft-com:office:office" xmlns:v="urn:schemas-microsoft-com:vml" xmlns:pvml="urn:schemas-microsoft-com:office:powerpoint" xmlns:com="http://schemas.openxmlformats.org/drawingml/2006/compatibility" xmlns:p14="http://schemas.microsoft.com/office/powerpoint/2010/main" xmlns:p15="http://schemas.microsoft.com/office/powerpoint/2012/main">
+  <p:cm authorId="0" idx="2" dt="2019-09-01T20:06:52.736">
+    <p:pos x="288" y="1008"/>
+    <p:text>modificar</p:text>
+    <p:extLst>
+      <p:ext uri="{C676402C-5697-4E1C-873F-D02D1690AC5C}">
+        <p15:threadingInfo timeZoneBias="0"/>
+      </p:ext>
+      <p:ext uri="http://customooxmlschemas.google.com/">
+        <go:slidesCustomData xmlns:go="http://customooxmlschemas.google.com/" commentPostId="AAAACw7MMdk"/>
+      </p:ext>
+    </p:extLst>
+  </p:cm>
+</p:cmLst>
 </file>
 
 <file path=ppt/notesMasters/notesMaster1.xml><?xml version="1.0" encoding="utf-8"?>
@@ -1109,7 +1150,42 @@
       </p:grpSpPr>
       <p:sp>
         <p:nvSpPr>
-          <p:cNvPr id="105" name="Google Shape;105;p5:notes"/>
+          <p:cNvPr id="105" name="Google Shape;105;g41a9665bfa_0_1:notes"/>
+          <p:cNvSpPr/>
+          <p:nvPr>
+            <p:ph idx="2" type="sldImg"/>
+          </p:nvPr>
+        </p:nvSpPr>
+        <p:spPr>
+          <a:xfrm>
+            <a:off x="1143225" y="685800"/>
+            <a:ext cx="4572300" cy="3429000"/>
+          </a:xfrm>
+          <a:custGeom>
+            <a:rect b="b" l="l" r="r" t="t"/>
+            <a:pathLst>
+              <a:path extrusionOk="0" h="120000" w="120000">
+                <a:moveTo>
+                  <a:pt x="0" y="0"/>
+                </a:moveTo>
+                <a:lnTo>
+                  <a:pt x="120000" y="0"/>
+                </a:lnTo>
+                <a:lnTo>
+                  <a:pt x="120000" y="120000"/>
+                </a:lnTo>
+                <a:lnTo>
+                  <a:pt x="0" y="120000"/>
+                </a:lnTo>
+                <a:close/>
+              </a:path>
+            </a:pathLst>
+          </a:custGeom>
+        </p:spPr>
+      </p:sp>
+      <p:sp>
+        <p:nvSpPr>
+          <p:cNvPr id="106" name="Google Shape;106;g41a9665bfa_0_1:notes"/>
           <p:cNvSpPr txBox="1"/>
           <p:nvPr>
             <p:ph idx="1" type="body"/>
@@ -1146,9 +1222,73 @@
           </a:p>
         </p:txBody>
       </p:sp>
+    </p:spTree>
+  </p:cSld>
+  <p:clrMapOvr>
+    <a:masterClrMapping/>
+  </p:clrMapOvr>
+</p:notes>
+</file>
+
+<file path=ppt/notesSlides/notesSlide6.xml><?xml version="1.0" encoding="utf-8"?>
+<p:notes xmlns:a="http://schemas.openxmlformats.org/drawingml/2006/main" xmlns:r="http://schemas.openxmlformats.org/officeDocument/2006/relationships" xmlns:mc="http://schemas.openxmlformats.org/markup-compatibility/2006" xmlns:mv="urn:schemas-microsoft-com:mac:vml" xmlns:p="http://schemas.openxmlformats.org/presentationml/2006/main" xmlns:c="http://schemas.openxmlformats.org/drawingml/2006/chart" xmlns:dgm="http://schemas.openxmlformats.org/drawingml/2006/diagram" xmlns:o="urn:schemas-microsoft-com:office:office" xmlns:v="urn:schemas-microsoft-com:vml" xmlns:pvml="urn:schemas-microsoft-com:office:powerpoint" xmlns:com="http://schemas.openxmlformats.org/drawingml/2006/compatibility" xmlns:p14="http://schemas.microsoft.com/office/powerpoint/2010/main" xmlns:p15="http://schemas.microsoft.com/office/powerpoint/2012/main" showMasterPhAnim="0" showMasterSp="0">
+  <p:cSld>
+    <p:spTree>
+      <p:nvGrpSpPr>
+        <p:cNvPr id="111" name="Shape 111"/>
+        <p:cNvGrpSpPr/>
+        <p:nvPr/>
+      </p:nvGrpSpPr>
+      <p:grpSpPr>
+        <a:xfrm>
+          <a:off x="0" y="0"/>
+          <a:ext cx="0" cy="0"/>
+          <a:chOff x="0" y="0"/>
+          <a:chExt cx="0" cy="0"/>
+        </a:xfrm>
+      </p:grpSpPr>
       <p:sp>
         <p:nvSpPr>
-          <p:cNvPr id="106" name="Google Shape;106;p5:notes"/>
+          <p:cNvPr id="112" name="Google Shape;112;p5:notes"/>
+          <p:cNvSpPr txBox="1"/>
+          <p:nvPr>
+            <p:ph idx="1" type="body"/>
+          </p:nvPr>
+        </p:nvSpPr>
+        <p:spPr>
+          <a:xfrm>
+            <a:off x="685800" y="4343400"/>
+            <a:ext cx="5486400" cy="4114800"/>
+          </a:xfrm>
+          <a:prstGeom prst="rect">
+            <a:avLst/>
+          </a:prstGeom>
+        </p:spPr>
+        <p:txBody>
+          <a:bodyPr anchorCtr="0" anchor="t" bIns="91425" lIns="91425" spcFirstLastPara="1" rIns="91425" wrap="square" tIns="91425">
+            <a:noAutofit/>
+          </a:bodyPr>
+          <a:lstStyle/>
+          <a:p>
+            <a:pPr indent="0" lvl="0" marL="0" rtl="0" algn="l">
+              <a:spcBef>
+                <a:spcPts val="0"/>
+              </a:spcBef>
+              <a:spcAft>
+                <a:spcPts val="0"/>
+              </a:spcAft>
+              <a:buNone/>
+            </a:pPr>
+            <a:r>
+              <a:t/>
+            </a:r>
+            <a:endParaRPr/>
+          </a:p>
+        </p:txBody>
+      </p:sp>
+      <p:sp>
+        <p:nvSpPr>
+          <p:cNvPr id="113" name="Google Shape;113;p5:notes"/>
           <p:cNvSpPr/>
           <p:nvPr>
             <p:ph idx="2" type="sldImg"/>
@@ -1189,12 +1329,12 @@
 </p:notes>
 </file>
 
-<file path=ppt/notesSlides/notesSlide6.xml><?xml version="1.0" encoding="utf-8"?>
+<file path=ppt/notesSlides/notesSlide7.xml><?xml version="1.0" encoding="utf-8"?>
 <p:notes xmlns:a="http://schemas.openxmlformats.org/drawingml/2006/main" xmlns:r="http://schemas.openxmlformats.org/officeDocument/2006/relationships" xmlns:mc="http://schemas.openxmlformats.org/markup-compatibility/2006" xmlns:mv="urn:schemas-microsoft-com:mac:vml" xmlns:p="http://schemas.openxmlformats.org/presentationml/2006/main" xmlns:c="http://schemas.openxmlformats.org/drawingml/2006/chart" xmlns:dgm="http://schemas.openxmlformats.org/drawingml/2006/diagram" xmlns:o="urn:schemas-microsoft-com:office:office" xmlns:v="urn:schemas-microsoft-com:vml" xmlns:pvml="urn:schemas-microsoft-com:office:powerpoint" xmlns:com="http://schemas.openxmlformats.org/drawingml/2006/compatibility" xmlns:p14="http://schemas.microsoft.com/office/powerpoint/2010/main" xmlns:p15="http://schemas.microsoft.com/office/powerpoint/2012/main" showMasterPhAnim="0" showMasterSp="0">
   <p:cSld>
     <p:spTree>
       <p:nvGrpSpPr>
-        <p:cNvPr id="110" name="Shape 110"/>
+        <p:cNvPr id="117" name="Shape 117"/>
         <p:cNvGrpSpPr/>
         <p:nvPr/>
       </p:nvGrpSpPr>
@@ -1208,7 +1348,7 @@
       </p:grpSpPr>
       <p:sp>
         <p:nvSpPr>
-          <p:cNvPr id="111" name="Google Shape;111;p6:notes"/>
+          <p:cNvPr id="118" name="Google Shape;118;p6:notes"/>
           <p:cNvSpPr txBox="1"/>
           <p:nvPr>
             <p:ph idx="1" type="body"/>
@@ -1247,7 +1387,7 @@
       </p:sp>
       <p:sp>
         <p:nvSpPr>
-          <p:cNvPr id="112" name="Google Shape;112;p6:notes"/>
+          <p:cNvPr id="119" name="Google Shape;119;p6:notes"/>
           <p:cNvSpPr/>
           <p:nvPr>
             <p:ph idx="2" type="sldImg"/>
@@ -11640,6 +11780,21 @@
           </a:bodyPr>
           <a:lstStyle/>
           <a:p>
+            <a:pPr indent="0" lvl="0" marL="342900" rtl="0" algn="l">
+              <a:spcBef>
+                <a:spcPts val="0"/>
+              </a:spcBef>
+              <a:spcAft>
+                <a:spcPts val="0"/>
+              </a:spcAft>
+              <a:buNone/>
+            </a:pPr>
+            <a:r>
+              <a:t/>
+            </a:r>
+            <a:endParaRPr/>
+          </a:p>
+          <a:p>
             <a:pPr indent="-431800" lvl="0" marL="342900" rtl="0" algn="l">
               <a:spcBef>
                 <a:spcPts val="0"/>
@@ -11652,9 +11807,25 @@
             </a:pPr>
             <a:r>
               <a:rPr lang="en-US"/>
-              <a:t>[UC-AM01] Realizar Autenticação: 8 dias</a:t>
+              <a:t>[UC-AM01] </a:t>
             </a:r>
-            <a:endParaRPr/>
+            <a:r>
+              <a:rPr lang="en-US">
+                <a:extLst>
+                  <a:ext uri="http://customooxmlschemas.google.com/">
+                    <go:slidesCustomData xmlns:go="http://customooxmlschemas.google.com/" textRoundtripDataId="0"/>
+                  </a:ext>
+                </a:extLst>
+              </a:rPr>
+              <a:t>Realizar Autenticação: 8 dias</a:t>
+            </a:r>
+            <a:endParaRPr>
+              <a:extLst>
+                <a:ext uri="http://customooxmlschemas.google.com/">
+                  <go:slidesCustomData xmlns:go="http://customooxmlschemas.google.com/" textRoundtripDataId="1"/>
+                </a:ext>
+              </a:extLst>
+            </a:endParaRPr>
           </a:p>
           <a:p>
             <a:pPr indent="-254000" lvl="0" marL="342900" rtl="0" algn="l">
@@ -11668,10 +11839,22 @@
               <a:buChar char="•"/>
             </a:pPr>
             <a:r>
-              <a:rPr lang="en-US"/>
+              <a:rPr lang="en-US">
+                <a:extLst>
+                  <a:ext uri="http://customooxmlschemas.google.com/">
+                    <go:slidesCustomData xmlns:go="http://customooxmlschemas.google.com/" textRoundtripDataId="2"/>
+                  </a:ext>
+                </a:extLst>
+              </a:rPr>
               <a:t>[UC-Pre03] Gerenciar Reunião: 15 dias</a:t>
             </a:r>
-            <a:endParaRPr/>
+            <a:endParaRPr>
+              <a:extLst>
+                <a:ext uri="http://customooxmlschemas.google.com/">
+                  <go:slidesCustomData xmlns:go="http://customooxmlschemas.google.com/" textRoundtripDataId="3"/>
+                </a:ext>
+              </a:extLst>
+            </a:endParaRPr>
           </a:p>
           <a:p>
             <a:pPr indent="-254000" lvl="0" marL="342900" rtl="0" algn="l">
@@ -11685,10 +11868,22 @@
               <a:buChar char="•"/>
             </a:pPr>
             <a:r>
-              <a:rPr lang="en-US"/>
+              <a:rPr lang="en-US">
+                <a:extLst>
+                  <a:ext uri="http://customooxmlschemas.google.com/">
+                    <go:slidesCustomData xmlns:go="http://customooxmlschemas.google.com/" textRoundtripDataId="4"/>
+                  </a:ext>
+                </a:extLst>
+              </a:rPr>
               <a:t>[UC-Pre04] Sugerir item para a pauta: 3 dias</a:t>
             </a:r>
-            <a:endParaRPr/>
+            <a:endParaRPr>
+              <a:extLst>
+                <a:ext uri="http://customooxmlschemas.google.com/">
+                  <go:slidesCustomData xmlns:go="http://customooxmlschemas.google.com/" textRoundtripDataId="5"/>
+                </a:ext>
+              </a:extLst>
+            </a:endParaRPr>
           </a:p>
           <a:p>
             <a:pPr indent="-254000" lvl="0" marL="342900" rtl="0" algn="l">
@@ -11702,7 +11897,13 @@
               <a:buChar char="•"/>
             </a:pPr>
             <a:r>
-              <a:rPr lang="en-US"/>
+              <a:rPr lang="en-US">
+                <a:extLst>
+                  <a:ext uri="http://customooxmlschemas.google.com/">
+                    <go:slidesCustomData xmlns:go="http://customooxmlschemas.google.com/" textRoundtripDataId="6"/>
+                  </a:ext>
+                </a:extLst>
+              </a:rPr>
               <a:t>[UC-OC03] Gerenciar campus: 2 dias para front-end</a:t>
             </a:r>
             <a:endParaRPr/>
@@ -11736,7 +11937,2395 @@
       </p:grpSpPr>
       <p:sp>
         <p:nvSpPr>
-          <p:cNvPr id="108" name="Google Shape;108;p5"/>
+          <p:cNvPr id="108" name="Google Shape;108;g41a9665bfa_0_1"/>
+          <p:cNvSpPr txBox="1"/>
+          <p:nvPr>
+            <p:ph type="title"/>
+          </p:nvPr>
+        </p:nvSpPr>
+        <p:spPr>
+          <a:xfrm>
+            <a:off x="457200" y="274638"/>
+            <a:ext cx="8229600" cy="1143000"/>
+          </a:xfrm>
+          <a:prstGeom prst="rect">
+            <a:avLst/>
+          </a:prstGeom>
+        </p:spPr>
+        <p:txBody>
+          <a:bodyPr anchorCtr="0" anchor="ctr" bIns="45700" lIns="91425" spcFirstLastPara="1" rIns="91425" wrap="square" tIns="45700">
+            <a:noAutofit/>
+          </a:bodyPr>
+          <a:lstStyle/>
+          <a:p>
+            <a:pPr indent="0" lvl="0" marL="0" rtl="0" algn="ctr">
+              <a:spcBef>
+                <a:spcPts val="0"/>
+              </a:spcBef>
+              <a:spcAft>
+                <a:spcPts val="0"/>
+              </a:spcAft>
+              <a:buNone/>
+            </a:pPr>
+            <a:r>
+              <a:rPr lang="en-US"/>
+              <a:t> </a:t>
+            </a:r>
+            <a:endParaRPr/>
+          </a:p>
+        </p:txBody>
+      </p:sp>
+      <p:sp>
+        <p:nvSpPr>
+          <p:cNvPr id="109" name="Google Shape;109;g41a9665bfa_0_1"/>
+          <p:cNvSpPr txBox="1"/>
+          <p:nvPr>
+            <p:ph idx="1" type="body"/>
+          </p:nvPr>
+        </p:nvSpPr>
+        <p:spPr>
+          <a:xfrm>
+            <a:off x="457200" y="1600200"/>
+            <a:ext cx="8229600" cy="4526100"/>
+          </a:xfrm>
+          <a:prstGeom prst="rect">
+            <a:avLst/>
+          </a:prstGeom>
+        </p:spPr>
+        <p:txBody>
+          <a:bodyPr anchorCtr="0" anchor="t" bIns="45700" lIns="91425" spcFirstLastPara="1" rIns="91425" wrap="square" tIns="45700">
+            <a:noAutofit/>
+          </a:bodyPr>
+          <a:lstStyle/>
+          <a:p>
+            <a:pPr indent="0" lvl="0" marL="0" rtl="0" algn="l">
+              <a:spcBef>
+                <a:spcPts val="360"/>
+              </a:spcBef>
+              <a:spcAft>
+                <a:spcPts val="0"/>
+              </a:spcAft>
+              <a:buNone/>
+            </a:pPr>
+            <a:r>
+              <a:rPr lang="en-US"/>
+              <a:t> </a:t>
+            </a:r>
+            <a:endParaRPr/>
+          </a:p>
+        </p:txBody>
+      </p:sp>
+      <p:graphicFrame>
+        <p:nvGraphicFramePr>
+          <p:cNvPr id="110" name="Google Shape;110;g41a9665bfa_0_1"/>
+          <p:cNvGraphicFramePr/>
+          <p:nvPr/>
+        </p:nvGraphicFramePr>
+        <p:xfrm>
+          <a:off x="91125" y="689915"/>
+          <a:ext cx="3000000" cy="3000000"/>
+        </p:xfrm>
+        <a:graphic>
+          <a:graphicData uri="http://schemas.openxmlformats.org/drawingml/2006/table">
+            <a:tbl>
+              <a:tblPr>
+                <a:noFill/>
+                <a:tableStyleId>{446AC8D9-B19C-46B8-AD80-577BDC48B54F}</a:tableStyleId>
+              </a:tblPr>
+              <a:tblGrid>
+                <a:gridCol w="1336225"/>
+                <a:gridCol w="1300650"/>
+                <a:gridCol w="532825"/>
+                <a:gridCol w="482650"/>
+                <a:gridCol w="482650"/>
+                <a:gridCol w="482650"/>
+                <a:gridCol w="482650"/>
+                <a:gridCol w="482650"/>
+                <a:gridCol w="482650"/>
+                <a:gridCol w="482650"/>
+                <a:gridCol w="482650"/>
+                <a:gridCol w="482650"/>
+                <a:gridCol w="482650"/>
+                <a:gridCol w="482650"/>
+                <a:gridCol w="482650"/>
+              </a:tblGrid>
+              <a:tr h="430900">
+                <a:tc>
+                  <a:txBody>
+                    <a:bodyPr/>
+                    <a:lstStyle/>
+                    <a:p>
+                      <a:pPr indent="0" lvl="0" marL="0" rtl="0" algn="l">
+                        <a:spcBef>
+                          <a:spcPts val="0"/>
+                        </a:spcBef>
+                        <a:spcAft>
+                          <a:spcPts val="0"/>
+                        </a:spcAft>
+                        <a:buNone/>
+                      </a:pPr>
+                      <a:r>
+                        <a:rPr lang="en-US"/>
+                        <a:t>Papéis</a:t>
+                      </a:r>
+                      <a:endParaRPr/>
+                    </a:p>
+                  </a:txBody>
+                  <a:tcPr marT="91425" marB="91425" marR="91425" marL="91425">
+                    <a:solidFill>
+                      <a:srgbClr val="D9D9D9"/>
+                    </a:solidFill>
+                  </a:tcPr>
+                </a:tc>
+                <a:tc gridSpan="5">
+                  <a:txBody>
+                    <a:bodyPr/>
+                    <a:lstStyle/>
+                    <a:p>
+                      <a:pPr indent="0" lvl="0" marL="0" rtl="0" algn="l">
+                        <a:spcBef>
+                          <a:spcPts val="0"/>
+                        </a:spcBef>
+                        <a:spcAft>
+                          <a:spcPts val="0"/>
+                        </a:spcAft>
+                        <a:buNone/>
+                      </a:pPr>
+                      <a:r>
+                        <a:rPr b="1" lang="en-US"/>
+                        <a:t>Front-end e Gerencia</a:t>
+                      </a:r>
+                      <a:endParaRPr b="1"/>
+                    </a:p>
+                  </a:txBody>
+                  <a:tcPr marT="91425" marB="91425" marR="91425" marL="91425">
+                    <a:solidFill>
+                      <a:srgbClr val="D9D9D9"/>
+                    </a:solidFill>
+                  </a:tcPr>
+                </a:tc>
+                <a:tc hMerge="1"/>
+                <a:tc hMerge="1"/>
+                <a:tc hMerge="1"/>
+                <a:tc hMerge="1"/>
+                <a:tc gridSpan="5">
+                  <a:txBody>
+                    <a:bodyPr/>
+                    <a:lstStyle/>
+                    <a:p>
+                      <a:pPr indent="0" lvl="0" marL="0" rtl="0" algn="l">
+                        <a:spcBef>
+                          <a:spcPts val="0"/>
+                        </a:spcBef>
+                        <a:spcAft>
+                          <a:spcPts val="0"/>
+                        </a:spcAft>
+                        <a:buNone/>
+                      </a:pPr>
+                      <a:r>
+                        <a:rPr b="1" lang="en-US"/>
+                        <a:t>testes e Front-end</a:t>
+                      </a:r>
+                      <a:endParaRPr b="1"/>
+                    </a:p>
+                  </a:txBody>
+                  <a:tcPr marT="91425" marB="91425" marR="91425" marL="91425">
+                    <a:solidFill>
+                      <a:srgbClr val="D9D9D9"/>
+                    </a:solidFill>
+                  </a:tcPr>
+                </a:tc>
+                <a:tc hMerge="1"/>
+                <a:tc hMerge="1"/>
+                <a:tc hMerge="1"/>
+                <a:tc hMerge="1"/>
+                <a:tc gridSpan="4">
+                  <a:txBody>
+                    <a:bodyPr/>
+                    <a:lstStyle/>
+                    <a:p>
+                      <a:pPr indent="0" lvl="0" marL="0" rtl="0" algn="l">
+                        <a:spcBef>
+                          <a:spcPts val="0"/>
+                        </a:spcBef>
+                        <a:spcAft>
+                          <a:spcPts val="0"/>
+                        </a:spcAft>
+                        <a:buNone/>
+                      </a:pPr>
+                      <a:r>
+                        <a:rPr b="1" lang="en-US"/>
+                        <a:t>Back-end</a:t>
+                      </a:r>
+                      <a:endParaRPr b="1"/>
+                    </a:p>
+                  </a:txBody>
+                  <a:tcPr marT="91425" marB="91425" marR="91425" marL="91425">
+                    <a:solidFill>
+                      <a:srgbClr val="D9D9D9"/>
+                    </a:solidFill>
+                  </a:tcPr>
+                </a:tc>
+                <a:tc hMerge="1"/>
+                <a:tc hMerge="1"/>
+                <a:tc hMerge="1"/>
+              </a:tr>
+              <a:tr h="430900">
+                <a:tc rowSpan="6">
+                  <a:txBody>
+                    <a:bodyPr/>
+                    <a:lstStyle/>
+                    <a:p>
+                      <a:pPr indent="0" lvl="0" marL="0" rtl="0" algn="l">
+                        <a:spcBef>
+                          <a:spcPts val="0"/>
+                        </a:spcBef>
+                        <a:spcAft>
+                          <a:spcPts val="0"/>
+                        </a:spcAft>
+                        <a:buNone/>
+                      </a:pPr>
+                      <a:r>
+                        <a:rPr lang="en-US"/>
+                        <a:t>INTERAÇÃO1</a:t>
+                      </a:r>
+                      <a:endParaRPr/>
+                    </a:p>
+                  </a:txBody>
+                  <a:tcPr marT="91425" marB="91425" marR="91425" marL="91425"/>
+                </a:tc>
+                <a:tc gridSpan="5">
+                  <a:txBody>
+                    <a:bodyPr/>
+                    <a:lstStyle/>
+                    <a:p>
+                      <a:pPr indent="0" lvl="0" marL="0" rtl="0" algn="l">
+                        <a:spcBef>
+                          <a:spcPts val="0"/>
+                        </a:spcBef>
+                        <a:spcAft>
+                          <a:spcPts val="0"/>
+                        </a:spcAft>
+                        <a:buNone/>
+                      </a:pPr>
+                      <a:r>
+                        <a:rPr b="1" lang="en-US"/>
+                        <a:t>Tamires</a:t>
+                      </a:r>
+                      <a:endParaRPr b="1"/>
+                    </a:p>
+                  </a:txBody>
+                  <a:tcPr marT="91425" marB="91425" marR="91425" marL="91425">
+                    <a:solidFill>
+                      <a:srgbClr val="F6B26B"/>
+                    </a:solidFill>
+                  </a:tcPr>
+                </a:tc>
+                <a:tc hMerge="1"/>
+                <a:tc hMerge="1"/>
+                <a:tc hMerge="1"/>
+                <a:tc hMerge="1"/>
+                <a:tc gridSpan="5">
+                  <a:txBody>
+                    <a:bodyPr/>
+                    <a:lstStyle/>
+                    <a:p>
+                      <a:pPr indent="0" lvl="0" marL="0" rtl="0" algn="l">
+                        <a:spcBef>
+                          <a:spcPts val="0"/>
+                        </a:spcBef>
+                        <a:spcAft>
+                          <a:spcPts val="0"/>
+                        </a:spcAft>
+                        <a:buNone/>
+                      </a:pPr>
+                      <a:r>
+                        <a:rPr b="1" lang="en-US"/>
+                        <a:t>Antonio</a:t>
+                      </a:r>
+                      <a:endParaRPr b="1"/>
+                    </a:p>
+                  </a:txBody>
+                  <a:tcPr marT="91425" marB="91425" marR="91425" marL="91425">
+                    <a:solidFill>
+                      <a:srgbClr val="00FF00"/>
+                    </a:solidFill>
+                  </a:tcPr>
+                </a:tc>
+                <a:tc hMerge="1"/>
+                <a:tc hMerge="1"/>
+                <a:tc hMerge="1"/>
+                <a:tc hMerge="1"/>
+                <a:tc gridSpan="4">
+                  <a:txBody>
+                    <a:bodyPr/>
+                    <a:lstStyle/>
+                    <a:p>
+                      <a:pPr indent="0" lvl="0" marL="0" rtl="0" algn="l">
+                        <a:spcBef>
+                          <a:spcPts val="0"/>
+                        </a:spcBef>
+                        <a:spcAft>
+                          <a:spcPts val="0"/>
+                        </a:spcAft>
+                        <a:buNone/>
+                      </a:pPr>
+                      <a:r>
+                        <a:rPr b="1" lang="en-US"/>
+                        <a:t>Rafael</a:t>
+                      </a:r>
+                      <a:endParaRPr b="1"/>
+                    </a:p>
+                  </a:txBody>
+                  <a:tcPr marT="91425" marB="91425" marR="91425" marL="91425">
+                    <a:solidFill>
+                      <a:srgbClr val="0000FF"/>
+                    </a:solidFill>
+                  </a:tcPr>
+                </a:tc>
+                <a:tc hMerge="1"/>
+                <a:tc hMerge="1"/>
+                <a:tc hMerge="1"/>
+              </a:tr>
+              <a:tr h="891100">
+                <a:tc vMerge="1"/>
+                <a:tc>
+                  <a:txBody>
+                    <a:bodyPr/>
+                    <a:lstStyle/>
+                    <a:p>
+                      <a:pPr indent="0" lvl="0" marL="0" rtl="0" algn="l">
+                        <a:spcBef>
+                          <a:spcPts val="0"/>
+                        </a:spcBef>
+                        <a:spcAft>
+                          <a:spcPts val="0"/>
+                        </a:spcAft>
+                        <a:buNone/>
+                      </a:pPr>
+                      <a:r>
+                        <a:rPr b="1" lang="en-US"/>
+                        <a:t>REQUISITOS</a:t>
+                      </a:r>
+                      <a:endParaRPr b="1"/>
+                    </a:p>
+                  </a:txBody>
+                  <a:tcPr marT="91425" marB="91425" marR="91425" marL="91425">
+                    <a:lnB cap="flat" cmpd="sng" w="12700">
+                      <a:solidFill>
+                        <a:srgbClr val="000000"/>
+                      </a:solidFill>
+                      <a:prstDash val="solid"/>
+                      <a:round/>
+                      <a:headEnd len="sm" w="sm" type="none"/>
+                      <a:tailEnd len="sm" w="sm" type="none"/>
+                    </a:lnB>
+                  </a:tcPr>
+                </a:tc>
+                <a:tc>
+                  <a:txBody>
+                    <a:bodyPr/>
+                    <a:lstStyle/>
+                    <a:p>
+                      <a:pPr indent="0" lvl="0" marL="0" rtl="0" algn="l">
+                        <a:spcBef>
+                          <a:spcPts val="0"/>
+                        </a:spcBef>
+                        <a:spcAft>
+                          <a:spcPts val="0"/>
+                        </a:spcAft>
+                        <a:buNone/>
+                      </a:pPr>
+                      <a:r>
+                        <a:rPr b="1" lang="en-US"/>
+                        <a:t>DIA1 </a:t>
+                      </a:r>
+                      <a:endParaRPr b="1"/>
+                    </a:p>
+                  </a:txBody>
+                  <a:tcPr marT="91425" marB="91425" marR="91425" marL="91425"/>
+                </a:tc>
+                <a:tc>
+                  <a:txBody>
+                    <a:bodyPr/>
+                    <a:lstStyle/>
+                    <a:p>
+                      <a:pPr indent="0" lvl="0" marL="0" rtl="0" algn="l">
+                        <a:spcBef>
+                          <a:spcPts val="0"/>
+                        </a:spcBef>
+                        <a:spcAft>
+                          <a:spcPts val="0"/>
+                        </a:spcAft>
+                        <a:buClr>
+                          <a:schemeClr val="dk1"/>
+                        </a:buClr>
+                        <a:buSzPts val="1100"/>
+                        <a:buFont typeface="Arial"/>
+                        <a:buNone/>
+                      </a:pPr>
+                      <a:r>
+                        <a:rPr b="1" lang="en-US">
+                          <a:solidFill>
+                            <a:schemeClr val="dk1"/>
+                          </a:solidFill>
+                        </a:rPr>
+                        <a:t>DIA2</a:t>
+                      </a:r>
+                      <a:endParaRPr b="1"/>
+                    </a:p>
+                  </a:txBody>
+                  <a:tcPr marT="91425" marB="91425" marR="91425" marL="91425"/>
+                </a:tc>
+                <a:tc>
+                  <a:txBody>
+                    <a:bodyPr/>
+                    <a:lstStyle/>
+                    <a:p>
+                      <a:pPr indent="0" lvl="0" marL="0" rtl="0" algn="l">
+                        <a:spcBef>
+                          <a:spcPts val="0"/>
+                        </a:spcBef>
+                        <a:spcAft>
+                          <a:spcPts val="0"/>
+                        </a:spcAft>
+                        <a:buClr>
+                          <a:schemeClr val="dk1"/>
+                        </a:buClr>
+                        <a:buSzPts val="1100"/>
+                        <a:buFont typeface="Arial"/>
+                        <a:buNone/>
+                      </a:pPr>
+                      <a:r>
+                        <a:rPr b="1" lang="en-US">
+                          <a:solidFill>
+                            <a:schemeClr val="dk1"/>
+                          </a:solidFill>
+                        </a:rPr>
+                        <a:t>DIA3</a:t>
+                      </a:r>
+                      <a:endParaRPr b="1"/>
+                    </a:p>
+                  </a:txBody>
+                  <a:tcPr marT="91425" marB="91425" marR="91425" marL="91425"/>
+                </a:tc>
+                <a:tc>
+                  <a:txBody>
+                    <a:bodyPr/>
+                    <a:lstStyle/>
+                    <a:p>
+                      <a:pPr indent="0" lvl="0" marL="0" rtl="0" algn="l">
+                        <a:spcBef>
+                          <a:spcPts val="0"/>
+                        </a:spcBef>
+                        <a:spcAft>
+                          <a:spcPts val="0"/>
+                        </a:spcAft>
+                        <a:buClr>
+                          <a:schemeClr val="dk1"/>
+                        </a:buClr>
+                        <a:buSzPts val="1100"/>
+                        <a:buFont typeface="Arial"/>
+                        <a:buNone/>
+                      </a:pPr>
+                      <a:r>
+                        <a:rPr b="1" lang="en-US">
+                          <a:solidFill>
+                            <a:schemeClr val="dk1"/>
+                          </a:solidFill>
+                        </a:rPr>
+                        <a:t>DIA4</a:t>
+                      </a:r>
+                      <a:endParaRPr b="1"/>
+                    </a:p>
+                  </a:txBody>
+                  <a:tcPr marT="91425" marB="91425" marR="91425" marL="91425"/>
+                </a:tc>
+                <a:tc>
+                  <a:txBody>
+                    <a:bodyPr/>
+                    <a:lstStyle/>
+                    <a:p>
+                      <a:pPr indent="0" lvl="0" marL="0" rtl="0" algn="l">
+                        <a:spcBef>
+                          <a:spcPts val="0"/>
+                        </a:spcBef>
+                        <a:spcAft>
+                          <a:spcPts val="0"/>
+                        </a:spcAft>
+                        <a:buClr>
+                          <a:schemeClr val="dk1"/>
+                        </a:buClr>
+                        <a:buSzPts val="1100"/>
+                        <a:buFont typeface="Arial"/>
+                        <a:buNone/>
+                      </a:pPr>
+                      <a:r>
+                        <a:rPr b="1" lang="en-US">
+                          <a:solidFill>
+                            <a:schemeClr val="dk1"/>
+                          </a:solidFill>
+                        </a:rPr>
+                        <a:t>DIA5</a:t>
+                      </a:r>
+                      <a:endParaRPr b="1"/>
+                    </a:p>
+                  </a:txBody>
+                  <a:tcPr marT="91425" marB="91425" marR="91425" marL="91425"/>
+                </a:tc>
+                <a:tc>
+                  <a:txBody>
+                    <a:bodyPr/>
+                    <a:lstStyle/>
+                    <a:p>
+                      <a:pPr indent="0" lvl="0" marL="0" rtl="0" algn="l">
+                        <a:spcBef>
+                          <a:spcPts val="0"/>
+                        </a:spcBef>
+                        <a:spcAft>
+                          <a:spcPts val="0"/>
+                        </a:spcAft>
+                        <a:buClr>
+                          <a:schemeClr val="dk1"/>
+                        </a:buClr>
+                        <a:buSzPts val="1100"/>
+                        <a:buFont typeface="Arial"/>
+                        <a:buNone/>
+                      </a:pPr>
+                      <a:r>
+                        <a:rPr b="1" lang="en-US">
+                          <a:solidFill>
+                            <a:schemeClr val="dk1"/>
+                          </a:solidFill>
+                        </a:rPr>
+                        <a:t>DIA6</a:t>
+                      </a:r>
+                      <a:endParaRPr b="1"/>
+                    </a:p>
+                  </a:txBody>
+                  <a:tcPr marT="91425" marB="91425" marR="91425" marL="91425"/>
+                </a:tc>
+                <a:tc>
+                  <a:txBody>
+                    <a:bodyPr/>
+                    <a:lstStyle/>
+                    <a:p>
+                      <a:pPr indent="0" lvl="0" marL="0" rtl="0" algn="l">
+                        <a:spcBef>
+                          <a:spcPts val="0"/>
+                        </a:spcBef>
+                        <a:spcAft>
+                          <a:spcPts val="0"/>
+                        </a:spcAft>
+                        <a:buClr>
+                          <a:schemeClr val="dk1"/>
+                        </a:buClr>
+                        <a:buSzPts val="1100"/>
+                        <a:buFont typeface="Arial"/>
+                        <a:buNone/>
+                      </a:pPr>
+                      <a:r>
+                        <a:rPr b="1" lang="en-US">
+                          <a:solidFill>
+                            <a:schemeClr val="dk1"/>
+                          </a:solidFill>
+                        </a:rPr>
+                        <a:t>DIA7</a:t>
+                      </a:r>
+                      <a:endParaRPr b="1"/>
+                    </a:p>
+                  </a:txBody>
+                  <a:tcPr marT="91425" marB="91425" marR="91425" marL="91425"/>
+                </a:tc>
+                <a:tc>
+                  <a:txBody>
+                    <a:bodyPr/>
+                    <a:lstStyle/>
+                    <a:p>
+                      <a:pPr indent="0" lvl="0" marL="0" rtl="0" algn="l">
+                        <a:spcBef>
+                          <a:spcPts val="0"/>
+                        </a:spcBef>
+                        <a:spcAft>
+                          <a:spcPts val="0"/>
+                        </a:spcAft>
+                        <a:buClr>
+                          <a:schemeClr val="dk1"/>
+                        </a:buClr>
+                        <a:buSzPts val="1100"/>
+                        <a:buFont typeface="Arial"/>
+                        <a:buNone/>
+                      </a:pPr>
+                      <a:r>
+                        <a:rPr b="1" lang="en-US">
+                          <a:solidFill>
+                            <a:schemeClr val="dk1"/>
+                          </a:solidFill>
+                        </a:rPr>
+                        <a:t>DIA8</a:t>
+                      </a:r>
+                      <a:endParaRPr b="1"/>
+                    </a:p>
+                  </a:txBody>
+                  <a:tcPr marT="91425" marB="91425" marR="91425" marL="91425"/>
+                </a:tc>
+                <a:tc>
+                  <a:txBody>
+                    <a:bodyPr/>
+                    <a:lstStyle/>
+                    <a:p>
+                      <a:pPr indent="0" lvl="0" marL="0" rtl="0" algn="l">
+                        <a:spcBef>
+                          <a:spcPts val="0"/>
+                        </a:spcBef>
+                        <a:spcAft>
+                          <a:spcPts val="0"/>
+                        </a:spcAft>
+                        <a:buClr>
+                          <a:schemeClr val="dk1"/>
+                        </a:buClr>
+                        <a:buSzPts val="1100"/>
+                        <a:buFont typeface="Arial"/>
+                        <a:buNone/>
+                      </a:pPr>
+                      <a:r>
+                        <a:rPr b="1" lang="en-US">
+                          <a:solidFill>
+                            <a:schemeClr val="dk1"/>
+                          </a:solidFill>
+                        </a:rPr>
+                        <a:t>DIA9</a:t>
+                      </a:r>
+                      <a:endParaRPr b="1"/>
+                    </a:p>
+                  </a:txBody>
+                  <a:tcPr marT="91425" marB="91425" marR="91425" marL="91425"/>
+                </a:tc>
+                <a:tc>
+                  <a:txBody>
+                    <a:bodyPr/>
+                    <a:lstStyle/>
+                    <a:p>
+                      <a:pPr indent="0" lvl="0" marL="0" rtl="0" algn="l">
+                        <a:spcBef>
+                          <a:spcPts val="0"/>
+                        </a:spcBef>
+                        <a:spcAft>
+                          <a:spcPts val="0"/>
+                        </a:spcAft>
+                        <a:buClr>
+                          <a:schemeClr val="dk1"/>
+                        </a:buClr>
+                        <a:buSzPts val="1100"/>
+                        <a:buFont typeface="Arial"/>
+                        <a:buNone/>
+                      </a:pPr>
+                      <a:r>
+                        <a:rPr b="1" lang="en-US">
+                          <a:solidFill>
+                            <a:schemeClr val="dk1"/>
+                          </a:solidFill>
+                        </a:rPr>
+                        <a:t>DIA10</a:t>
+                      </a:r>
+                      <a:endParaRPr b="1"/>
+                    </a:p>
+                  </a:txBody>
+                  <a:tcPr marT="91425" marB="91425" marR="91425" marL="91425"/>
+                </a:tc>
+                <a:tc>
+                  <a:txBody>
+                    <a:bodyPr/>
+                    <a:lstStyle/>
+                    <a:p>
+                      <a:pPr indent="0" lvl="0" marL="0" rtl="0" algn="l">
+                        <a:spcBef>
+                          <a:spcPts val="0"/>
+                        </a:spcBef>
+                        <a:spcAft>
+                          <a:spcPts val="0"/>
+                        </a:spcAft>
+                        <a:buClr>
+                          <a:schemeClr val="dk1"/>
+                        </a:buClr>
+                        <a:buSzPts val="1100"/>
+                        <a:buFont typeface="Arial"/>
+                        <a:buNone/>
+                      </a:pPr>
+                      <a:r>
+                        <a:rPr b="1" lang="en-US">
+                          <a:solidFill>
+                            <a:schemeClr val="dk1"/>
+                          </a:solidFill>
+                        </a:rPr>
+                        <a:t>DIA11</a:t>
+                      </a:r>
+                      <a:endParaRPr b="1"/>
+                    </a:p>
+                  </a:txBody>
+                  <a:tcPr marT="91425" marB="91425" marR="91425" marL="91425"/>
+                </a:tc>
+                <a:tc>
+                  <a:txBody>
+                    <a:bodyPr/>
+                    <a:lstStyle/>
+                    <a:p>
+                      <a:pPr indent="0" lvl="0" marL="0" rtl="0" algn="l">
+                        <a:spcBef>
+                          <a:spcPts val="0"/>
+                        </a:spcBef>
+                        <a:spcAft>
+                          <a:spcPts val="0"/>
+                        </a:spcAft>
+                        <a:buClr>
+                          <a:schemeClr val="dk1"/>
+                        </a:buClr>
+                        <a:buSzPts val="1100"/>
+                        <a:buFont typeface="Arial"/>
+                        <a:buNone/>
+                      </a:pPr>
+                      <a:r>
+                        <a:rPr b="1" lang="en-US">
+                          <a:solidFill>
+                            <a:schemeClr val="dk1"/>
+                          </a:solidFill>
+                        </a:rPr>
+                        <a:t>DIA12</a:t>
+                      </a:r>
+                      <a:endParaRPr b="1"/>
+                    </a:p>
+                  </a:txBody>
+                  <a:tcPr marT="91425" marB="91425" marR="91425" marL="91425"/>
+                </a:tc>
+                <a:tc>
+                  <a:txBody>
+                    <a:bodyPr/>
+                    <a:lstStyle/>
+                    <a:p>
+                      <a:pPr indent="0" lvl="0" marL="0" rtl="0" algn="l">
+                        <a:spcBef>
+                          <a:spcPts val="0"/>
+                        </a:spcBef>
+                        <a:spcAft>
+                          <a:spcPts val="0"/>
+                        </a:spcAft>
+                        <a:buClr>
+                          <a:schemeClr val="dk1"/>
+                        </a:buClr>
+                        <a:buSzPts val="1100"/>
+                        <a:buFont typeface="Arial"/>
+                        <a:buNone/>
+                      </a:pPr>
+                      <a:r>
+                        <a:rPr b="1" lang="en-US">
+                          <a:solidFill>
+                            <a:schemeClr val="dk1"/>
+                          </a:solidFill>
+                        </a:rPr>
+                        <a:t>DIA13</a:t>
+                      </a:r>
+                      <a:endParaRPr/>
+                    </a:p>
+                  </a:txBody>
+                  <a:tcPr marT="91425" marB="91425" marR="91425" marL="91425"/>
+                </a:tc>
+              </a:tr>
+              <a:tr h="663250">
+                <a:tc vMerge="1"/>
+                <a:tc>
+                  <a:txBody>
+                    <a:bodyPr/>
+                    <a:lstStyle/>
+                    <a:p>
+                      <a:pPr indent="0" lvl="0" marL="0" rtl="0" algn="l">
+                        <a:lnSpc>
+                          <a:spcPct val="115000"/>
+                        </a:lnSpc>
+                        <a:spcBef>
+                          <a:spcPts val="0"/>
+                        </a:spcBef>
+                        <a:spcAft>
+                          <a:spcPts val="0"/>
+                        </a:spcAft>
+                        <a:buNone/>
+                      </a:pPr>
+                      <a:r>
+                        <a:rPr lang="en-US">
+                          <a:latin typeface="Times New Roman"/>
+                          <a:ea typeface="Times New Roman"/>
+                          <a:cs typeface="Times New Roman"/>
+                          <a:sym typeface="Times New Roman"/>
+                        </a:rPr>
+                        <a:t>Gerenciar órgãos</a:t>
+                      </a:r>
+                      <a:endParaRPr>
+                        <a:latin typeface="Times New Roman"/>
+                        <a:ea typeface="Times New Roman"/>
+                        <a:cs typeface="Times New Roman"/>
+                        <a:sym typeface="Times New Roman"/>
+                      </a:endParaRPr>
+                    </a:p>
+                  </a:txBody>
+                  <a:tcPr marT="91425" marB="91425" marR="68575" marL="68575">
+                    <a:lnL cap="flat" cmpd="sng" w="12700">
+                      <a:solidFill>
+                        <a:srgbClr val="000000"/>
+                      </a:solidFill>
+                      <a:prstDash val="solid"/>
+                      <a:round/>
+                      <a:headEnd len="sm" w="sm" type="none"/>
+                      <a:tailEnd len="sm" w="sm" type="none"/>
+                    </a:lnL>
+                    <a:lnR cap="flat" cmpd="sng" w="12700">
+                      <a:solidFill>
+                        <a:srgbClr val="000000"/>
+                      </a:solidFill>
+                      <a:prstDash val="solid"/>
+                      <a:round/>
+                      <a:headEnd len="sm" w="sm" type="none"/>
+                      <a:tailEnd len="sm" w="sm" type="none"/>
+                    </a:lnR>
+                    <a:lnT cap="flat" cmpd="sng" w="12700">
+                      <a:solidFill>
+                        <a:srgbClr val="000000"/>
+                      </a:solidFill>
+                      <a:prstDash val="solid"/>
+                      <a:round/>
+                      <a:headEnd len="sm" w="sm" type="none"/>
+                      <a:tailEnd len="sm" w="sm" type="none"/>
+                    </a:lnT>
+                    <a:lnB cap="flat" cmpd="sng" w="12700">
+                      <a:solidFill>
+                        <a:srgbClr val="000000"/>
+                      </a:solidFill>
+                      <a:prstDash val="solid"/>
+                      <a:round/>
+                      <a:headEnd len="sm" w="sm" type="none"/>
+                      <a:tailEnd len="sm" w="sm" type="none"/>
+                    </a:lnB>
+                  </a:tcPr>
+                </a:tc>
+                <a:tc>
+                  <a:txBody>
+                    <a:bodyPr/>
+                    <a:lstStyle/>
+                    <a:p>
+                      <a:pPr indent="0" lvl="0" marL="0" rtl="0" algn="l">
+                        <a:spcBef>
+                          <a:spcPts val="0"/>
+                        </a:spcBef>
+                        <a:spcAft>
+                          <a:spcPts val="0"/>
+                        </a:spcAft>
+                        <a:buNone/>
+                      </a:pPr>
+                      <a:r>
+                        <a:t/>
+                      </a:r>
+                      <a:endParaRPr/>
+                    </a:p>
+                  </a:txBody>
+                  <a:tcPr marT="91425" marB="91425" marR="91425" marL="91425">
+                    <a:lnL cap="flat" cmpd="sng" w="12700">
+                      <a:solidFill>
+                        <a:srgbClr val="000000"/>
+                      </a:solidFill>
+                      <a:prstDash val="solid"/>
+                      <a:round/>
+                      <a:headEnd len="sm" w="sm" type="none"/>
+                      <a:tailEnd len="sm" w="sm" type="none"/>
+                    </a:lnL>
+                    <a:solidFill>
+                      <a:srgbClr val="00FF00"/>
+                    </a:solidFill>
+                  </a:tcPr>
+                </a:tc>
+                <a:tc>
+                  <a:txBody>
+                    <a:bodyPr/>
+                    <a:lstStyle/>
+                    <a:p>
+                      <a:pPr indent="0" lvl="0" marL="0" rtl="0" algn="l">
+                        <a:spcBef>
+                          <a:spcPts val="0"/>
+                        </a:spcBef>
+                        <a:spcAft>
+                          <a:spcPts val="0"/>
+                        </a:spcAft>
+                        <a:buNone/>
+                      </a:pPr>
+                      <a:r>
+                        <a:t/>
+                      </a:r>
+                      <a:endParaRPr/>
+                    </a:p>
+                  </a:txBody>
+                  <a:tcPr marT="91425" marB="91425" marR="91425" marL="91425">
+                    <a:solidFill>
+                      <a:srgbClr val="00FF00"/>
+                    </a:solidFill>
+                  </a:tcPr>
+                </a:tc>
+                <a:tc>
+                  <a:txBody>
+                    <a:bodyPr/>
+                    <a:lstStyle/>
+                    <a:p>
+                      <a:pPr indent="0" lvl="0" marL="0" rtl="0" algn="l">
+                        <a:spcBef>
+                          <a:spcPts val="0"/>
+                        </a:spcBef>
+                        <a:spcAft>
+                          <a:spcPts val="0"/>
+                        </a:spcAft>
+                        <a:buNone/>
+                      </a:pPr>
+                      <a:r>
+                        <a:t/>
+                      </a:r>
+                      <a:endParaRPr/>
+                    </a:p>
+                  </a:txBody>
+                  <a:tcPr marT="91425" marB="91425" marR="91425" marL="91425">
+                    <a:solidFill>
+                      <a:srgbClr val="00FF00"/>
+                    </a:solidFill>
+                  </a:tcPr>
+                </a:tc>
+                <a:tc>
+                  <a:txBody>
+                    <a:bodyPr/>
+                    <a:lstStyle/>
+                    <a:p>
+                      <a:pPr indent="0" lvl="0" marL="0" rtl="0" algn="l">
+                        <a:spcBef>
+                          <a:spcPts val="0"/>
+                        </a:spcBef>
+                        <a:spcAft>
+                          <a:spcPts val="0"/>
+                        </a:spcAft>
+                        <a:buNone/>
+                      </a:pPr>
+                      <a:r>
+                        <a:t/>
+                      </a:r>
+                      <a:endParaRPr/>
+                    </a:p>
+                  </a:txBody>
+                  <a:tcPr marT="91425" marB="91425" marR="91425" marL="91425">
+                    <a:solidFill>
+                      <a:srgbClr val="00FF00"/>
+                    </a:solidFill>
+                  </a:tcPr>
+                </a:tc>
+                <a:tc>
+                  <a:txBody>
+                    <a:bodyPr/>
+                    <a:lstStyle/>
+                    <a:p>
+                      <a:pPr indent="0" lvl="0" marL="0" rtl="0" algn="l">
+                        <a:spcBef>
+                          <a:spcPts val="0"/>
+                        </a:spcBef>
+                        <a:spcAft>
+                          <a:spcPts val="0"/>
+                        </a:spcAft>
+                        <a:buNone/>
+                      </a:pPr>
+                      <a:r>
+                        <a:t/>
+                      </a:r>
+                      <a:endParaRPr/>
+                    </a:p>
+                  </a:txBody>
+                  <a:tcPr marT="91425" marB="91425" marR="91425" marL="91425">
+                    <a:solidFill>
+                      <a:srgbClr val="00FF00"/>
+                    </a:solidFill>
+                  </a:tcPr>
+                </a:tc>
+                <a:tc>
+                  <a:txBody>
+                    <a:bodyPr/>
+                    <a:lstStyle/>
+                    <a:p>
+                      <a:pPr indent="0" lvl="0" marL="0" rtl="0" algn="l">
+                        <a:spcBef>
+                          <a:spcPts val="0"/>
+                        </a:spcBef>
+                        <a:spcAft>
+                          <a:spcPts val="0"/>
+                        </a:spcAft>
+                        <a:buNone/>
+                      </a:pPr>
+                      <a:r>
+                        <a:t/>
+                      </a:r>
+                      <a:endParaRPr/>
+                    </a:p>
+                  </a:txBody>
+                  <a:tcPr marT="91425" marB="91425" marR="91425" marL="91425">
+                    <a:solidFill>
+                      <a:srgbClr val="00FF00"/>
+                    </a:solidFill>
+                  </a:tcPr>
+                </a:tc>
+                <a:tc>
+                  <a:txBody>
+                    <a:bodyPr/>
+                    <a:lstStyle/>
+                    <a:p>
+                      <a:pPr indent="0" lvl="0" marL="0" rtl="0" algn="l">
+                        <a:spcBef>
+                          <a:spcPts val="0"/>
+                        </a:spcBef>
+                        <a:spcAft>
+                          <a:spcPts val="0"/>
+                        </a:spcAft>
+                        <a:buNone/>
+                      </a:pPr>
+                      <a:r>
+                        <a:t/>
+                      </a:r>
+                      <a:endParaRPr/>
+                    </a:p>
+                  </a:txBody>
+                  <a:tcPr marT="91425" marB="91425" marR="91425" marL="91425">
+                    <a:solidFill>
+                      <a:srgbClr val="00FF00"/>
+                    </a:solidFill>
+                  </a:tcPr>
+                </a:tc>
+                <a:tc>
+                  <a:txBody>
+                    <a:bodyPr/>
+                    <a:lstStyle/>
+                    <a:p>
+                      <a:pPr indent="0" lvl="0" marL="0" rtl="0" algn="l">
+                        <a:spcBef>
+                          <a:spcPts val="0"/>
+                        </a:spcBef>
+                        <a:spcAft>
+                          <a:spcPts val="0"/>
+                        </a:spcAft>
+                        <a:buNone/>
+                      </a:pPr>
+                      <a:r>
+                        <a:t/>
+                      </a:r>
+                      <a:endParaRPr/>
+                    </a:p>
+                  </a:txBody>
+                  <a:tcPr marT="91425" marB="91425" marR="91425" marL="91425">
+                    <a:solidFill>
+                      <a:srgbClr val="00FF00"/>
+                    </a:solidFill>
+                  </a:tcPr>
+                </a:tc>
+                <a:tc>
+                  <a:txBody>
+                    <a:bodyPr/>
+                    <a:lstStyle/>
+                    <a:p>
+                      <a:pPr indent="0" lvl="0" marL="0" rtl="0" algn="l">
+                        <a:spcBef>
+                          <a:spcPts val="0"/>
+                        </a:spcBef>
+                        <a:spcAft>
+                          <a:spcPts val="0"/>
+                        </a:spcAft>
+                        <a:buNone/>
+                      </a:pPr>
+                      <a:r>
+                        <a:t/>
+                      </a:r>
+                      <a:endParaRPr/>
+                    </a:p>
+                  </a:txBody>
+                  <a:tcPr marT="91425" marB="91425" marR="91425" marL="91425">
+                    <a:solidFill>
+                      <a:srgbClr val="00FF00"/>
+                    </a:solidFill>
+                  </a:tcPr>
+                </a:tc>
+                <a:tc>
+                  <a:txBody>
+                    <a:bodyPr/>
+                    <a:lstStyle/>
+                    <a:p>
+                      <a:pPr indent="0" lvl="0" marL="0" rtl="0" algn="l">
+                        <a:spcBef>
+                          <a:spcPts val="0"/>
+                        </a:spcBef>
+                        <a:spcAft>
+                          <a:spcPts val="0"/>
+                        </a:spcAft>
+                        <a:buNone/>
+                      </a:pPr>
+                      <a:r>
+                        <a:t/>
+                      </a:r>
+                      <a:endParaRPr/>
+                    </a:p>
+                  </a:txBody>
+                  <a:tcPr marT="91425" marB="91425" marR="91425" marL="91425">
+                    <a:solidFill>
+                      <a:srgbClr val="00FF00"/>
+                    </a:solidFill>
+                  </a:tcPr>
+                </a:tc>
+                <a:tc>
+                  <a:txBody>
+                    <a:bodyPr/>
+                    <a:lstStyle/>
+                    <a:p>
+                      <a:pPr indent="0" lvl="0" marL="0" rtl="0" algn="l">
+                        <a:spcBef>
+                          <a:spcPts val="0"/>
+                        </a:spcBef>
+                        <a:spcAft>
+                          <a:spcPts val="0"/>
+                        </a:spcAft>
+                        <a:buNone/>
+                      </a:pPr>
+                      <a:r>
+                        <a:t/>
+                      </a:r>
+                      <a:endParaRPr/>
+                    </a:p>
+                  </a:txBody>
+                  <a:tcPr marT="91425" marB="91425" marR="91425" marL="91425"/>
+                </a:tc>
+                <a:tc>
+                  <a:txBody>
+                    <a:bodyPr/>
+                    <a:lstStyle/>
+                    <a:p>
+                      <a:pPr indent="0" lvl="0" marL="0" rtl="0" algn="l">
+                        <a:spcBef>
+                          <a:spcPts val="0"/>
+                        </a:spcBef>
+                        <a:spcAft>
+                          <a:spcPts val="0"/>
+                        </a:spcAft>
+                        <a:buNone/>
+                      </a:pPr>
+                      <a:r>
+                        <a:t/>
+                      </a:r>
+                      <a:endParaRPr/>
+                    </a:p>
+                  </a:txBody>
+                  <a:tcPr marT="91425" marB="91425" marR="91425" marL="91425"/>
+                </a:tc>
+                <a:tc>
+                  <a:txBody>
+                    <a:bodyPr/>
+                    <a:lstStyle/>
+                    <a:p>
+                      <a:pPr indent="0" lvl="0" marL="0" rtl="0" algn="l">
+                        <a:spcBef>
+                          <a:spcPts val="0"/>
+                        </a:spcBef>
+                        <a:spcAft>
+                          <a:spcPts val="0"/>
+                        </a:spcAft>
+                        <a:buNone/>
+                      </a:pPr>
+                      <a:r>
+                        <a:t/>
+                      </a:r>
+                      <a:endParaRPr/>
+                    </a:p>
+                  </a:txBody>
+                  <a:tcPr marT="91425" marB="91425" marR="91425" marL="91425"/>
+                </a:tc>
+              </a:tr>
+              <a:tr h="905450">
+                <a:tc vMerge="1"/>
+                <a:tc>
+                  <a:txBody>
+                    <a:bodyPr/>
+                    <a:lstStyle/>
+                    <a:p>
+                      <a:pPr indent="0" lvl="0" marL="0" rtl="0" algn="l">
+                        <a:lnSpc>
+                          <a:spcPct val="115000"/>
+                        </a:lnSpc>
+                        <a:spcBef>
+                          <a:spcPts val="0"/>
+                        </a:spcBef>
+                        <a:spcAft>
+                          <a:spcPts val="0"/>
+                        </a:spcAft>
+                        <a:buNone/>
+                      </a:pPr>
+                      <a:r>
+                        <a:rPr lang="en-US">
+                          <a:latin typeface="Times New Roman"/>
+                          <a:ea typeface="Times New Roman"/>
+                          <a:cs typeface="Times New Roman"/>
+                          <a:sym typeface="Times New Roman"/>
+                        </a:rPr>
+                        <a:t>Vincular/ Desvincular Membro</a:t>
+                      </a:r>
+                      <a:endParaRPr>
+                        <a:latin typeface="Times New Roman"/>
+                        <a:ea typeface="Times New Roman"/>
+                        <a:cs typeface="Times New Roman"/>
+                        <a:sym typeface="Times New Roman"/>
+                      </a:endParaRPr>
+                    </a:p>
+                  </a:txBody>
+                  <a:tcPr marT="91425" marB="91425" marR="68575" marL="68575">
+                    <a:lnL cap="flat" cmpd="sng" w="12700">
+                      <a:solidFill>
+                        <a:srgbClr val="000000"/>
+                      </a:solidFill>
+                      <a:prstDash val="solid"/>
+                      <a:round/>
+                      <a:headEnd len="sm" w="sm" type="none"/>
+                      <a:tailEnd len="sm" w="sm" type="none"/>
+                    </a:lnL>
+                    <a:lnR cap="flat" cmpd="sng" w="12700">
+                      <a:solidFill>
+                        <a:srgbClr val="000000"/>
+                      </a:solidFill>
+                      <a:prstDash val="solid"/>
+                      <a:round/>
+                      <a:headEnd len="sm" w="sm" type="none"/>
+                      <a:tailEnd len="sm" w="sm" type="none"/>
+                    </a:lnR>
+                    <a:lnT cap="flat" cmpd="sng" w="12700">
+                      <a:solidFill>
+                        <a:srgbClr val="000000"/>
+                      </a:solidFill>
+                      <a:prstDash val="solid"/>
+                      <a:round/>
+                      <a:headEnd len="sm" w="sm" type="none"/>
+                      <a:tailEnd len="sm" w="sm" type="none"/>
+                    </a:lnT>
+                    <a:lnB cap="flat" cmpd="sng" w="12700">
+                      <a:solidFill>
+                        <a:srgbClr val="000000"/>
+                      </a:solidFill>
+                      <a:prstDash val="solid"/>
+                      <a:round/>
+                      <a:headEnd len="sm" w="sm" type="none"/>
+                      <a:tailEnd len="sm" w="sm" type="none"/>
+                    </a:lnB>
+                  </a:tcPr>
+                </a:tc>
+                <a:tc>
+                  <a:txBody>
+                    <a:bodyPr/>
+                    <a:lstStyle/>
+                    <a:p>
+                      <a:pPr indent="0" lvl="0" marL="0" rtl="0" algn="l">
+                        <a:spcBef>
+                          <a:spcPts val="0"/>
+                        </a:spcBef>
+                        <a:spcAft>
+                          <a:spcPts val="0"/>
+                        </a:spcAft>
+                        <a:buNone/>
+                      </a:pPr>
+                      <a:r>
+                        <a:t/>
+                      </a:r>
+                      <a:endParaRPr/>
+                    </a:p>
+                  </a:txBody>
+                  <a:tcPr marT="91425" marB="91425" marR="91425" marL="91425">
+                    <a:lnL cap="flat" cmpd="sng" w="12700">
+                      <a:solidFill>
+                        <a:srgbClr val="000000"/>
+                      </a:solidFill>
+                      <a:prstDash val="solid"/>
+                      <a:round/>
+                      <a:headEnd len="sm" w="sm" type="none"/>
+                      <a:tailEnd len="sm" w="sm" type="none"/>
+                    </a:lnL>
+                  </a:tcPr>
+                </a:tc>
+                <a:tc>
+                  <a:txBody>
+                    <a:bodyPr/>
+                    <a:lstStyle/>
+                    <a:p>
+                      <a:pPr indent="0" lvl="0" marL="0" rtl="0" algn="l">
+                        <a:spcBef>
+                          <a:spcPts val="0"/>
+                        </a:spcBef>
+                        <a:spcAft>
+                          <a:spcPts val="0"/>
+                        </a:spcAft>
+                        <a:buNone/>
+                      </a:pPr>
+                      <a:r>
+                        <a:t/>
+                      </a:r>
+                      <a:endParaRPr/>
+                    </a:p>
+                  </a:txBody>
+                  <a:tcPr marT="91425" marB="91425" marR="91425" marL="91425"/>
+                </a:tc>
+                <a:tc>
+                  <a:txBody>
+                    <a:bodyPr/>
+                    <a:lstStyle/>
+                    <a:p>
+                      <a:pPr indent="0" lvl="0" marL="0" rtl="0" algn="l">
+                        <a:spcBef>
+                          <a:spcPts val="0"/>
+                        </a:spcBef>
+                        <a:spcAft>
+                          <a:spcPts val="0"/>
+                        </a:spcAft>
+                        <a:buNone/>
+                      </a:pPr>
+                      <a:r>
+                        <a:t/>
+                      </a:r>
+                      <a:endParaRPr/>
+                    </a:p>
+                  </a:txBody>
+                  <a:tcPr marT="91425" marB="91425" marR="91425" marL="91425"/>
+                </a:tc>
+                <a:tc>
+                  <a:txBody>
+                    <a:bodyPr/>
+                    <a:lstStyle/>
+                    <a:p>
+                      <a:pPr indent="0" lvl="0" marL="0" rtl="0" algn="l">
+                        <a:spcBef>
+                          <a:spcPts val="0"/>
+                        </a:spcBef>
+                        <a:spcAft>
+                          <a:spcPts val="0"/>
+                        </a:spcAft>
+                        <a:buNone/>
+                      </a:pPr>
+                      <a:r>
+                        <a:t/>
+                      </a:r>
+                      <a:endParaRPr/>
+                    </a:p>
+                  </a:txBody>
+                  <a:tcPr marT="91425" marB="91425" marR="91425" marL="91425">
+                    <a:solidFill>
+                      <a:srgbClr val="F6B26B"/>
+                    </a:solidFill>
+                  </a:tcPr>
+                </a:tc>
+                <a:tc>
+                  <a:txBody>
+                    <a:bodyPr/>
+                    <a:lstStyle/>
+                    <a:p>
+                      <a:pPr indent="0" lvl="0" marL="0" rtl="0" algn="l">
+                        <a:spcBef>
+                          <a:spcPts val="0"/>
+                        </a:spcBef>
+                        <a:spcAft>
+                          <a:spcPts val="0"/>
+                        </a:spcAft>
+                        <a:buNone/>
+                      </a:pPr>
+                      <a:r>
+                        <a:t/>
+                      </a:r>
+                      <a:endParaRPr/>
+                    </a:p>
+                  </a:txBody>
+                  <a:tcPr marT="91425" marB="91425" marR="91425" marL="91425">
+                    <a:solidFill>
+                      <a:srgbClr val="F6B26B"/>
+                    </a:solidFill>
+                  </a:tcPr>
+                </a:tc>
+                <a:tc>
+                  <a:txBody>
+                    <a:bodyPr/>
+                    <a:lstStyle/>
+                    <a:p>
+                      <a:pPr indent="0" lvl="0" marL="0" rtl="0" algn="l">
+                        <a:spcBef>
+                          <a:spcPts val="0"/>
+                        </a:spcBef>
+                        <a:spcAft>
+                          <a:spcPts val="0"/>
+                        </a:spcAft>
+                        <a:buNone/>
+                      </a:pPr>
+                      <a:r>
+                        <a:t/>
+                      </a:r>
+                      <a:endParaRPr/>
+                    </a:p>
+                  </a:txBody>
+                  <a:tcPr marT="91425" marB="91425" marR="91425" marL="91425">
+                    <a:solidFill>
+                      <a:srgbClr val="F6B26B"/>
+                    </a:solidFill>
+                  </a:tcPr>
+                </a:tc>
+                <a:tc>
+                  <a:txBody>
+                    <a:bodyPr/>
+                    <a:lstStyle/>
+                    <a:p>
+                      <a:pPr indent="0" lvl="0" marL="0" rtl="0" algn="l">
+                        <a:spcBef>
+                          <a:spcPts val="0"/>
+                        </a:spcBef>
+                        <a:spcAft>
+                          <a:spcPts val="0"/>
+                        </a:spcAft>
+                        <a:buNone/>
+                      </a:pPr>
+                      <a:r>
+                        <a:t/>
+                      </a:r>
+                      <a:endParaRPr/>
+                    </a:p>
+                  </a:txBody>
+                  <a:tcPr marT="91425" marB="91425" marR="91425" marL="91425"/>
+                </a:tc>
+                <a:tc>
+                  <a:txBody>
+                    <a:bodyPr/>
+                    <a:lstStyle/>
+                    <a:p>
+                      <a:pPr indent="0" lvl="0" marL="0" rtl="0" algn="l">
+                        <a:spcBef>
+                          <a:spcPts val="0"/>
+                        </a:spcBef>
+                        <a:spcAft>
+                          <a:spcPts val="0"/>
+                        </a:spcAft>
+                        <a:buNone/>
+                      </a:pPr>
+                      <a:r>
+                        <a:t/>
+                      </a:r>
+                      <a:endParaRPr/>
+                    </a:p>
+                  </a:txBody>
+                  <a:tcPr marT="91425" marB="91425" marR="91425" marL="91425"/>
+                </a:tc>
+                <a:tc>
+                  <a:txBody>
+                    <a:bodyPr/>
+                    <a:lstStyle/>
+                    <a:p>
+                      <a:pPr indent="0" lvl="0" marL="0" rtl="0" algn="l">
+                        <a:spcBef>
+                          <a:spcPts val="0"/>
+                        </a:spcBef>
+                        <a:spcAft>
+                          <a:spcPts val="0"/>
+                        </a:spcAft>
+                        <a:buNone/>
+                      </a:pPr>
+                      <a:r>
+                        <a:t/>
+                      </a:r>
+                      <a:endParaRPr/>
+                    </a:p>
+                  </a:txBody>
+                  <a:tcPr marT="91425" marB="91425" marR="91425" marL="91425"/>
+                </a:tc>
+                <a:tc>
+                  <a:txBody>
+                    <a:bodyPr/>
+                    <a:lstStyle/>
+                    <a:p>
+                      <a:pPr indent="0" lvl="0" marL="0" rtl="0" algn="l">
+                        <a:spcBef>
+                          <a:spcPts val="0"/>
+                        </a:spcBef>
+                        <a:spcAft>
+                          <a:spcPts val="0"/>
+                        </a:spcAft>
+                        <a:buNone/>
+                      </a:pPr>
+                      <a:r>
+                        <a:t/>
+                      </a:r>
+                      <a:endParaRPr/>
+                    </a:p>
+                  </a:txBody>
+                  <a:tcPr marT="91425" marB="91425" marR="91425" marL="91425"/>
+                </a:tc>
+                <a:tc>
+                  <a:txBody>
+                    <a:bodyPr/>
+                    <a:lstStyle/>
+                    <a:p>
+                      <a:pPr indent="0" lvl="0" marL="0" rtl="0" algn="l">
+                        <a:spcBef>
+                          <a:spcPts val="0"/>
+                        </a:spcBef>
+                        <a:spcAft>
+                          <a:spcPts val="0"/>
+                        </a:spcAft>
+                        <a:buNone/>
+                      </a:pPr>
+                      <a:r>
+                        <a:t/>
+                      </a:r>
+                      <a:endParaRPr/>
+                    </a:p>
+                  </a:txBody>
+                  <a:tcPr marT="91425" marB="91425" marR="91425" marL="91425"/>
+                </a:tc>
+                <a:tc>
+                  <a:txBody>
+                    <a:bodyPr/>
+                    <a:lstStyle/>
+                    <a:p>
+                      <a:pPr indent="0" lvl="0" marL="0" rtl="0" algn="l">
+                        <a:spcBef>
+                          <a:spcPts val="0"/>
+                        </a:spcBef>
+                        <a:spcAft>
+                          <a:spcPts val="0"/>
+                        </a:spcAft>
+                        <a:buNone/>
+                      </a:pPr>
+                      <a:r>
+                        <a:t/>
+                      </a:r>
+                      <a:endParaRPr/>
+                    </a:p>
+                  </a:txBody>
+                  <a:tcPr marT="91425" marB="91425" marR="91425" marL="91425"/>
+                </a:tc>
+                <a:tc>
+                  <a:txBody>
+                    <a:bodyPr/>
+                    <a:lstStyle/>
+                    <a:p>
+                      <a:pPr indent="0" lvl="0" marL="0" rtl="0" algn="l">
+                        <a:spcBef>
+                          <a:spcPts val="0"/>
+                        </a:spcBef>
+                        <a:spcAft>
+                          <a:spcPts val="0"/>
+                        </a:spcAft>
+                        <a:buNone/>
+                      </a:pPr>
+                      <a:r>
+                        <a:t/>
+                      </a:r>
+                      <a:endParaRPr/>
+                    </a:p>
+                  </a:txBody>
+                  <a:tcPr marT="91425" marB="91425" marR="91425" marL="91425"/>
+                </a:tc>
+              </a:tr>
+              <a:tr h="905450">
+                <a:tc vMerge="1"/>
+                <a:tc>
+                  <a:txBody>
+                    <a:bodyPr/>
+                    <a:lstStyle/>
+                    <a:p>
+                      <a:pPr indent="0" lvl="0" marL="0" rtl="0" algn="l">
+                        <a:lnSpc>
+                          <a:spcPct val="115000"/>
+                        </a:lnSpc>
+                        <a:spcBef>
+                          <a:spcPts val="0"/>
+                        </a:spcBef>
+                        <a:spcAft>
+                          <a:spcPts val="0"/>
+                        </a:spcAft>
+                        <a:buNone/>
+                      </a:pPr>
+                      <a:r>
+                        <a:rPr lang="en-US">
+                          <a:latin typeface="Times New Roman"/>
+                          <a:ea typeface="Times New Roman"/>
+                          <a:cs typeface="Times New Roman"/>
+                          <a:sym typeface="Times New Roman"/>
+                        </a:rPr>
+                        <a:t>Gerenciar cursos de um Campus</a:t>
+                      </a:r>
+                      <a:endParaRPr>
+                        <a:latin typeface="Times New Roman"/>
+                        <a:ea typeface="Times New Roman"/>
+                        <a:cs typeface="Times New Roman"/>
+                        <a:sym typeface="Times New Roman"/>
+                      </a:endParaRPr>
+                    </a:p>
+                  </a:txBody>
+                  <a:tcPr marT="91425" marB="91425" marR="68575" marL="68575">
+                    <a:lnL cap="flat" cmpd="sng" w="12700">
+                      <a:solidFill>
+                        <a:srgbClr val="000000"/>
+                      </a:solidFill>
+                      <a:prstDash val="solid"/>
+                      <a:round/>
+                      <a:headEnd len="sm" w="sm" type="none"/>
+                      <a:tailEnd len="sm" w="sm" type="none"/>
+                    </a:lnL>
+                    <a:lnR cap="flat" cmpd="sng" w="12700">
+                      <a:solidFill>
+                        <a:srgbClr val="000000"/>
+                      </a:solidFill>
+                      <a:prstDash val="solid"/>
+                      <a:round/>
+                      <a:headEnd len="sm" w="sm" type="none"/>
+                      <a:tailEnd len="sm" w="sm" type="none"/>
+                    </a:lnR>
+                    <a:lnT cap="flat" cmpd="sng" w="12700">
+                      <a:solidFill>
+                        <a:srgbClr val="000000"/>
+                      </a:solidFill>
+                      <a:prstDash val="solid"/>
+                      <a:round/>
+                      <a:headEnd len="sm" w="sm" type="none"/>
+                      <a:tailEnd len="sm" w="sm" type="none"/>
+                    </a:lnT>
+                    <a:lnB cap="flat" cmpd="sng" w="12700">
+                      <a:solidFill>
+                        <a:srgbClr val="000000"/>
+                      </a:solidFill>
+                      <a:prstDash val="solid"/>
+                      <a:round/>
+                      <a:headEnd len="sm" w="sm" type="none"/>
+                      <a:tailEnd len="sm" w="sm" type="none"/>
+                    </a:lnB>
+                  </a:tcPr>
+                </a:tc>
+                <a:tc>
+                  <a:txBody>
+                    <a:bodyPr/>
+                    <a:lstStyle/>
+                    <a:p>
+                      <a:pPr indent="0" lvl="0" marL="0" rtl="0" algn="l">
+                        <a:spcBef>
+                          <a:spcPts val="0"/>
+                        </a:spcBef>
+                        <a:spcAft>
+                          <a:spcPts val="0"/>
+                        </a:spcAft>
+                        <a:buNone/>
+                      </a:pPr>
+                      <a:r>
+                        <a:t/>
+                      </a:r>
+                      <a:endParaRPr/>
+                    </a:p>
+                  </a:txBody>
+                  <a:tcPr marT="91425" marB="91425" marR="91425" marL="91425">
+                    <a:lnL cap="flat" cmpd="sng" w="12700">
+                      <a:solidFill>
+                        <a:srgbClr val="000000"/>
+                      </a:solidFill>
+                      <a:prstDash val="solid"/>
+                      <a:round/>
+                      <a:headEnd len="sm" w="sm" type="none"/>
+                      <a:tailEnd len="sm" w="sm" type="none"/>
+                    </a:lnL>
+                    <a:solidFill>
+                      <a:srgbClr val="F6B26B"/>
+                    </a:solidFill>
+                  </a:tcPr>
+                </a:tc>
+                <a:tc>
+                  <a:txBody>
+                    <a:bodyPr/>
+                    <a:lstStyle/>
+                    <a:p>
+                      <a:pPr indent="0" lvl="0" marL="0" rtl="0" algn="l">
+                        <a:spcBef>
+                          <a:spcPts val="0"/>
+                        </a:spcBef>
+                        <a:spcAft>
+                          <a:spcPts val="0"/>
+                        </a:spcAft>
+                        <a:buNone/>
+                      </a:pPr>
+                      <a:r>
+                        <a:t/>
+                      </a:r>
+                      <a:endParaRPr/>
+                    </a:p>
+                  </a:txBody>
+                  <a:tcPr marT="91425" marB="91425" marR="91425" marL="91425">
+                    <a:solidFill>
+                      <a:srgbClr val="F6B26B"/>
+                    </a:solidFill>
+                  </a:tcPr>
+                </a:tc>
+                <a:tc>
+                  <a:txBody>
+                    <a:bodyPr/>
+                    <a:lstStyle/>
+                    <a:p>
+                      <a:pPr indent="0" lvl="0" marL="0" rtl="0" algn="l">
+                        <a:spcBef>
+                          <a:spcPts val="0"/>
+                        </a:spcBef>
+                        <a:spcAft>
+                          <a:spcPts val="0"/>
+                        </a:spcAft>
+                        <a:buNone/>
+                      </a:pPr>
+                      <a:r>
+                        <a:t/>
+                      </a:r>
+                      <a:endParaRPr/>
+                    </a:p>
+                  </a:txBody>
+                  <a:tcPr marT="91425" marB="91425" marR="91425" marL="91425">
+                    <a:solidFill>
+                      <a:srgbClr val="F6B26B"/>
+                    </a:solidFill>
+                  </a:tcPr>
+                </a:tc>
+                <a:tc>
+                  <a:txBody>
+                    <a:bodyPr/>
+                    <a:lstStyle/>
+                    <a:p>
+                      <a:pPr indent="0" lvl="0" marL="0" rtl="0" algn="l">
+                        <a:spcBef>
+                          <a:spcPts val="0"/>
+                        </a:spcBef>
+                        <a:spcAft>
+                          <a:spcPts val="0"/>
+                        </a:spcAft>
+                        <a:buNone/>
+                      </a:pPr>
+                      <a:r>
+                        <a:t/>
+                      </a:r>
+                      <a:endParaRPr/>
+                    </a:p>
+                  </a:txBody>
+                  <a:tcPr marT="91425" marB="91425" marR="91425" marL="91425"/>
+                </a:tc>
+                <a:tc>
+                  <a:txBody>
+                    <a:bodyPr/>
+                    <a:lstStyle/>
+                    <a:p>
+                      <a:pPr indent="0" lvl="0" marL="0" rtl="0" algn="l">
+                        <a:spcBef>
+                          <a:spcPts val="0"/>
+                        </a:spcBef>
+                        <a:spcAft>
+                          <a:spcPts val="0"/>
+                        </a:spcAft>
+                        <a:buNone/>
+                      </a:pPr>
+                      <a:r>
+                        <a:t/>
+                      </a:r>
+                      <a:endParaRPr/>
+                    </a:p>
+                  </a:txBody>
+                  <a:tcPr marT="91425" marB="91425" marR="91425" marL="91425"/>
+                </a:tc>
+                <a:tc>
+                  <a:txBody>
+                    <a:bodyPr/>
+                    <a:lstStyle/>
+                    <a:p>
+                      <a:pPr indent="0" lvl="0" marL="0" rtl="0" algn="l">
+                        <a:spcBef>
+                          <a:spcPts val="0"/>
+                        </a:spcBef>
+                        <a:spcAft>
+                          <a:spcPts val="0"/>
+                        </a:spcAft>
+                        <a:buNone/>
+                      </a:pPr>
+                      <a:r>
+                        <a:t/>
+                      </a:r>
+                      <a:endParaRPr/>
+                    </a:p>
+                  </a:txBody>
+                  <a:tcPr marT="91425" marB="91425" marR="91425" marL="91425"/>
+                </a:tc>
+                <a:tc>
+                  <a:txBody>
+                    <a:bodyPr/>
+                    <a:lstStyle/>
+                    <a:p>
+                      <a:pPr indent="0" lvl="0" marL="0" rtl="0" algn="l">
+                        <a:spcBef>
+                          <a:spcPts val="0"/>
+                        </a:spcBef>
+                        <a:spcAft>
+                          <a:spcPts val="0"/>
+                        </a:spcAft>
+                        <a:buNone/>
+                      </a:pPr>
+                      <a:r>
+                        <a:t/>
+                      </a:r>
+                      <a:endParaRPr/>
+                    </a:p>
+                  </a:txBody>
+                  <a:tcPr marT="91425" marB="91425" marR="91425" marL="91425"/>
+                </a:tc>
+                <a:tc>
+                  <a:txBody>
+                    <a:bodyPr/>
+                    <a:lstStyle/>
+                    <a:p>
+                      <a:pPr indent="0" lvl="0" marL="0" rtl="0" algn="l">
+                        <a:spcBef>
+                          <a:spcPts val="0"/>
+                        </a:spcBef>
+                        <a:spcAft>
+                          <a:spcPts val="0"/>
+                        </a:spcAft>
+                        <a:buNone/>
+                      </a:pPr>
+                      <a:r>
+                        <a:t/>
+                      </a:r>
+                      <a:endParaRPr/>
+                    </a:p>
+                  </a:txBody>
+                  <a:tcPr marT="91425" marB="91425" marR="91425" marL="91425"/>
+                </a:tc>
+                <a:tc>
+                  <a:txBody>
+                    <a:bodyPr/>
+                    <a:lstStyle/>
+                    <a:p>
+                      <a:pPr indent="0" lvl="0" marL="0" rtl="0" algn="l">
+                        <a:spcBef>
+                          <a:spcPts val="0"/>
+                        </a:spcBef>
+                        <a:spcAft>
+                          <a:spcPts val="0"/>
+                        </a:spcAft>
+                        <a:buNone/>
+                      </a:pPr>
+                      <a:r>
+                        <a:t/>
+                      </a:r>
+                      <a:endParaRPr/>
+                    </a:p>
+                  </a:txBody>
+                  <a:tcPr marT="91425" marB="91425" marR="91425" marL="91425"/>
+                </a:tc>
+                <a:tc>
+                  <a:txBody>
+                    <a:bodyPr/>
+                    <a:lstStyle/>
+                    <a:p>
+                      <a:pPr indent="0" lvl="0" marL="0" rtl="0" algn="l">
+                        <a:spcBef>
+                          <a:spcPts val="0"/>
+                        </a:spcBef>
+                        <a:spcAft>
+                          <a:spcPts val="0"/>
+                        </a:spcAft>
+                        <a:buNone/>
+                      </a:pPr>
+                      <a:r>
+                        <a:t/>
+                      </a:r>
+                      <a:endParaRPr/>
+                    </a:p>
+                  </a:txBody>
+                  <a:tcPr marT="91425" marB="91425" marR="91425" marL="91425"/>
+                </a:tc>
+                <a:tc>
+                  <a:txBody>
+                    <a:bodyPr/>
+                    <a:lstStyle/>
+                    <a:p>
+                      <a:pPr indent="0" lvl="0" marL="0" rtl="0" algn="l">
+                        <a:spcBef>
+                          <a:spcPts val="0"/>
+                        </a:spcBef>
+                        <a:spcAft>
+                          <a:spcPts val="0"/>
+                        </a:spcAft>
+                        <a:buNone/>
+                      </a:pPr>
+                      <a:r>
+                        <a:t/>
+                      </a:r>
+                      <a:endParaRPr/>
+                    </a:p>
+                  </a:txBody>
+                  <a:tcPr marT="91425" marB="91425" marR="91425" marL="91425"/>
+                </a:tc>
+                <a:tc>
+                  <a:txBody>
+                    <a:bodyPr/>
+                    <a:lstStyle/>
+                    <a:p>
+                      <a:pPr indent="0" lvl="0" marL="0" rtl="0" algn="l">
+                        <a:spcBef>
+                          <a:spcPts val="0"/>
+                        </a:spcBef>
+                        <a:spcAft>
+                          <a:spcPts val="0"/>
+                        </a:spcAft>
+                        <a:buNone/>
+                      </a:pPr>
+                      <a:r>
+                        <a:t/>
+                      </a:r>
+                      <a:endParaRPr/>
+                    </a:p>
+                  </a:txBody>
+                  <a:tcPr marT="91425" marB="91425" marR="91425" marL="91425"/>
+                </a:tc>
+                <a:tc>
+                  <a:txBody>
+                    <a:bodyPr/>
+                    <a:lstStyle/>
+                    <a:p>
+                      <a:pPr indent="0" lvl="0" marL="0" rtl="0" algn="l">
+                        <a:spcBef>
+                          <a:spcPts val="0"/>
+                        </a:spcBef>
+                        <a:spcAft>
+                          <a:spcPts val="0"/>
+                        </a:spcAft>
+                        <a:buNone/>
+                      </a:pPr>
+                      <a:r>
+                        <a:t/>
+                      </a:r>
+                      <a:endParaRPr/>
+                    </a:p>
+                  </a:txBody>
+                  <a:tcPr marT="91425" marB="91425" marR="91425" marL="91425"/>
+                </a:tc>
+              </a:tr>
+              <a:tr h="663250">
+                <a:tc vMerge="1"/>
+                <a:tc>
+                  <a:txBody>
+                    <a:bodyPr/>
+                    <a:lstStyle/>
+                    <a:p>
+                      <a:pPr indent="0" lvl="0" marL="0" rtl="0" algn="l">
+                        <a:lnSpc>
+                          <a:spcPct val="115000"/>
+                        </a:lnSpc>
+                        <a:spcBef>
+                          <a:spcPts val="0"/>
+                        </a:spcBef>
+                        <a:spcAft>
+                          <a:spcPts val="0"/>
+                        </a:spcAft>
+                        <a:buNone/>
+                      </a:pPr>
+                      <a:r>
+                        <a:rPr lang="en-US">
+                          <a:latin typeface="Times New Roman"/>
+                          <a:ea typeface="Times New Roman"/>
+                          <a:cs typeface="Times New Roman"/>
+                          <a:sym typeface="Times New Roman"/>
+                        </a:rPr>
+                        <a:t>Realizar autenticação (8 dias)</a:t>
+                      </a:r>
+                      <a:endParaRPr>
+                        <a:latin typeface="Times New Roman"/>
+                        <a:ea typeface="Times New Roman"/>
+                        <a:cs typeface="Times New Roman"/>
+                        <a:sym typeface="Times New Roman"/>
+                      </a:endParaRPr>
+                    </a:p>
+                  </a:txBody>
+                  <a:tcPr marT="91425" marB="91425" marR="68575" marL="68575">
+                    <a:lnL cap="flat" cmpd="sng" w="12700">
+                      <a:solidFill>
+                        <a:srgbClr val="000000"/>
+                      </a:solidFill>
+                      <a:prstDash val="solid"/>
+                      <a:round/>
+                      <a:headEnd len="sm" w="sm" type="none"/>
+                      <a:tailEnd len="sm" w="sm" type="none"/>
+                    </a:lnL>
+                    <a:lnR cap="flat" cmpd="sng" w="12700">
+                      <a:solidFill>
+                        <a:srgbClr val="000000"/>
+                      </a:solidFill>
+                      <a:prstDash val="solid"/>
+                      <a:round/>
+                      <a:headEnd len="sm" w="sm" type="none"/>
+                      <a:tailEnd len="sm" w="sm" type="none"/>
+                    </a:lnR>
+                    <a:lnT cap="flat" cmpd="sng" w="12700">
+                      <a:solidFill>
+                        <a:srgbClr val="000000"/>
+                      </a:solidFill>
+                      <a:prstDash val="solid"/>
+                      <a:round/>
+                      <a:headEnd len="sm" w="sm" type="none"/>
+                      <a:tailEnd len="sm" w="sm" type="none"/>
+                    </a:lnT>
+                    <a:lnB cap="flat" cmpd="sng" w="12700">
+                      <a:solidFill>
+                        <a:srgbClr val="000000"/>
+                      </a:solidFill>
+                      <a:prstDash val="solid"/>
+                      <a:round/>
+                      <a:headEnd len="sm" w="sm" type="none"/>
+                      <a:tailEnd len="sm" w="sm" type="none"/>
+                    </a:lnB>
+                  </a:tcPr>
+                </a:tc>
+                <a:tc>
+                  <a:txBody>
+                    <a:bodyPr/>
+                    <a:lstStyle/>
+                    <a:p>
+                      <a:pPr indent="0" lvl="0" marL="0" rtl="0" algn="l">
+                        <a:spcBef>
+                          <a:spcPts val="0"/>
+                        </a:spcBef>
+                        <a:spcAft>
+                          <a:spcPts val="0"/>
+                        </a:spcAft>
+                        <a:buNone/>
+                      </a:pPr>
+                      <a:r>
+                        <a:t/>
+                      </a:r>
+                      <a:endParaRPr/>
+                    </a:p>
+                  </a:txBody>
+                  <a:tcPr marT="91425" marB="91425" marR="91425" marL="91425">
+                    <a:lnL cap="flat" cmpd="sng" w="12700">
+                      <a:solidFill>
+                        <a:srgbClr val="000000"/>
+                      </a:solidFill>
+                      <a:prstDash val="solid"/>
+                      <a:round/>
+                      <a:headEnd len="sm" w="sm" type="none"/>
+                      <a:tailEnd len="sm" w="sm" type="none"/>
+                    </a:lnL>
+                  </a:tcPr>
+                </a:tc>
+                <a:tc>
+                  <a:txBody>
+                    <a:bodyPr/>
+                    <a:lstStyle/>
+                    <a:p>
+                      <a:pPr indent="0" lvl="0" marL="0" rtl="0" algn="l">
+                        <a:spcBef>
+                          <a:spcPts val="0"/>
+                        </a:spcBef>
+                        <a:spcAft>
+                          <a:spcPts val="0"/>
+                        </a:spcAft>
+                        <a:buNone/>
+                      </a:pPr>
+                      <a:r>
+                        <a:t/>
+                      </a:r>
+                      <a:endParaRPr/>
+                    </a:p>
+                  </a:txBody>
+                  <a:tcPr marT="91425" marB="91425" marR="91425" marL="91425"/>
+                </a:tc>
+                <a:tc>
+                  <a:txBody>
+                    <a:bodyPr/>
+                    <a:lstStyle/>
+                    <a:p>
+                      <a:pPr indent="0" lvl="0" marL="0" rtl="0" algn="l">
+                        <a:spcBef>
+                          <a:spcPts val="0"/>
+                        </a:spcBef>
+                        <a:spcAft>
+                          <a:spcPts val="0"/>
+                        </a:spcAft>
+                        <a:buNone/>
+                      </a:pPr>
+                      <a:r>
+                        <a:t/>
+                      </a:r>
+                      <a:endParaRPr/>
+                    </a:p>
+                  </a:txBody>
+                  <a:tcPr marT="91425" marB="91425" marR="91425" marL="91425"/>
+                </a:tc>
+                <a:tc>
+                  <a:txBody>
+                    <a:bodyPr/>
+                    <a:lstStyle/>
+                    <a:p>
+                      <a:pPr indent="0" lvl="0" marL="0" rtl="0" algn="l">
+                        <a:spcBef>
+                          <a:spcPts val="0"/>
+                        </a:spcBef>
+                        <a:spcAft>
+                          <a:spcPts val="0"/>
+                        </a:spcAft>
+                        <a:buNone/>
+                      </a:pPr>
+                      <a:r>
+                        <a:t/>
+                      </a:r>
+                      <a:endParaRPr/>
+                    </a:p>
+                  </a:txBody>
+                  <a:tcPr marT="91425" marB="91425" marR="91425" marL="91425"/>
+                </a:tc>
+                <a:tc>
+                  <a:txBody>
+                    <a:bodyPr/>
+                    <a:lstStyle/>
+                    <a:p>
+                      <a:pPr indent="0" lvl="0" marL="0" rtl="0" algn="l">
+                        <a:spcBef>
+                          <a:spcPts val="0"/>
+                        </a:spcBef>
+                        <a:spcAft>
+                          <a:spcPts val="0"/>
+                        </a:spcAft>
+                        <a:buNone/>
+                      </a:pPr>
+                      <a:r>
+                        <a:t/>
+                      </a:r>
+                      <a:endParaRPr/>
+                    </a:p>
+                  </a:txBody>
+                  <a:tcPr marT="91425" marB="91425" marR="91425" marL="91425"/>
+                </a:tc>
+                <a:tc>
+                  <a:txBody>
+                    <a:bodyPr/>
+                    <a:lstStyle/>
+                    <a:p>
+                      <a:pPr indent="0" lvl="0" marL="0" rtl="0" algn="l">
+                        <a:spcBef>
+                          <a:spcPts val="0"/>
+                        </a:spcBef>
+                        <a:spcAft>
+                          <a:spcPts val="0"/>
+                        </a:spcAft>
+                        <a:buNone/>
+                      </a:pPr>
+                      <a:r>
+                        <a:t/>
+                      </a:r>
+                      <a:endParaRPr/>
+                    </a:p>
+                  </a:txBody>
+                  <a:tcPr marT="91425" marB="91425" marR="91425" marL="91425"/>
+                </a:tc>
+                <a:tc>
+                  <a:txBody>
+                    <a:bodyPr/>
+                    <a:lstStyle/>
+                    <a:p>
+                      <a:pPr indent="0" lvl="0" marL="0" rtl="0" algn="l">
+                        <a:spcBef>
+                          <a:spcPts val="0"/>
+                        </a:spcBef>
+                        <a:spcAft>
+                          <a:spcPts val="0"/>
+                        </a:spcAft>
+                        <a:buNone/>
+                      </a:pPr>
+                      <a:r>
+                        <a:t/>
+                      </a:r>
+                      <a:endParaRPr/>
+                    </a:p>
+                  </a:txBody>
+                  <a:tcPr marT="91425" marB="91425" marR="91425" marL="91425"/>
+                </a:tc>
+                <a:tc>
+                  <a:txBody>
+                    <a:bodyPr/>
+                    <a:lstStyle/>
+                    <a:p>
+                      <a:pPr indent="0" lvl="0" marL="0" rtl="0" algn="l">
+                        <a:spcBef>
+                          <a:spcPts val="0"/>
+                        </a:spcBef>
+                        <a:spcAft>
+                          <a:spcPts val="0"/>
+                        </a:spcAft>
+                        <a:buNone/>
+                      </a:pPr>
+                      <a:r>
+                        <a:t/>
+                      </a:r>
+                      <a:endParaRPr/>
+                    </a:p>
+                  </a:txBody>
+                  <a:tcPr marT="91425" marB="91425" marR="91425" marL="91425"/>
+                </a:tc>
+                <a:tc>
+                  <a:txBody>
+                    <a:bodyPr/>
+                    <a:lstStyle/>
+                    <a:p>
+                      <a:pPr indent="0" lvl="0" marL="0" rtl="0" algn="l">
+                        <a:spcBef>
+                          <a:spcPts val="0"/>
+                        </a:spcBef>
+                        <a:spcAft>
+                          <a:spcPts val="0"/>
+                        </a:spcAft>
+                        <a:buNone/>
+                      </a:pPr>
+                      <a:r>
+                        <a:t/>
+                      </a:r>
+                      <a:endParaRPr/>
+                    </a:p>
+                  </a:txBody>
+                  <a:tcPr marT="91425" marB="91425" marR="91425" marL="91425"/>
+                </a:tc>
+                <a:tc>
+                  <a:txBody>
+                    <a:bodyPr/>
+                    <a:lstStyle/>
+                    <a:p>
+                      <a:pPr indent="0" lvl="0" marL="0" rtl="0" algn="l">
+                        <a:spcBef>
+                          <a:spcPts val="0"/>
+                        </a:spcBef>
+                        <a:spcAft>
+                          <a:spcPts val="0"/>
+                        </a:spcAft>
+                        <a:buNone/>
+                      </a:pPr>
+                      <a:r>
+                        <a:t/>
+                      </a:r>
+                      <a:endParaRPr/>
+                    </a:p>
+                  </a:txBody>
+                  <a:tcPr marT="91425" marB="91425" marR="91425" marL="91425"/>
+                </a:tc>
+                <a:tc>
+                  <a:txBody>
+                    <a:bodyPr/>
+                    <a:lstStyle/>
+                    <a:p>
+                      <a:pPr indent="0" lvl="0" marL="0" rtl="0" algn="l">
+                        <a:spcBef>
+                          <a:spcPts val="0"/>
+                        </a:spcBef>
+                        <a:spcAft>
+                          <a:spcPts val="0"/>
+                        </a:spcAft>
+                        <a:buNone/>
+                      </a:pPr>
+                      <a:r>
+                        <a:t/>
+                      </a:r>
+                      <a:endParaRPr/>
+                    </a:p>
+                  </a:txBody>
+                  <a:tcPr marT="91425" marB="91425" marR="91425" marL="91425">
+                    <a:solidFill>
+                      <a:srgbClr val="00FF00"/>
+                    </a:solidFill>
+                  </a:tcPr>
+                </a:tc>
+                <a:tc>
+                  <a:txBody>
+                    <a:bodyPr/>
+                    <a:lstStyle/>
+                    <a:p>
+                      <a:pPr indent="0" lvl="0" marL="0" rtl="0" algn="l">
+                        <a:spcBef>
+                          <a:spcPts val="0"/>
+                        </a:spcBef>
+                        <a:spcAft>
+                          <a:spcPts val="0"/>
+                        </a:spcAft>
+                        <a:buNone/>
+                      </a:pPr>
+                      <a:r>
+                        <a:rPr lang="en-US"/>
+                        <a:t>teste</a:t>
+                      </a:r>
+                      <a:endParaRPr/>
+                    </a:p>
+                  </a:txBody>
+                  <a:tcPr marT="91425" marB="91425" marR="91425" marL="91425">
+                    <a:solidFill>
+                      <a:srgbClr val="00FF00"/>
+                    </a:solidFill>
+                  </a:tcPr>
+                </a:tc>
+                <a:tc>
+                  <a:txBody>
+                    <a:bodyPr/>
+                    <a:lstStyle/>
+                    <a:p>
+                      <a:pPr indent="0" lvl="0" marL="0" rtl="0" algn="l">
+                        <a:spcBef>
+                          <a:spcPts val="0"/>
+                        </a:spcBef>
+                        <a:spcAft>
+                          <a:spcPts val="0"/>
+                        </a:spcAft>
+                        <a:buNone/>
+                      </a:pPr>
+                      <a:r>
+                        <a:rPr lang="en-US"/>
+                        <a:t>teste</a:t>
+                      </a:r>
+                      <a:endParaRPr/>
+                    </a:p>
+                  </a:txBody>
+                  <a:tcPr marT="91425" marB="91425" marR="91425" marL="91425">
+                    <a:solidFill>
+                      <a:srgbClr val="00FF00"/>
+                    </a:solidFill>
+                  </a:tcPr>
+                </a:tc>
+              </a:tr>
+            </a:tbl>
+          </a:graphicData>
+        </a:graphic>
+      </p:graphicFrame>
+    </p:spTree>
+  </p:cSld>
+  <p:clrMapOvr>
+    <a:masterClrMapping/>
+  </p:clrMapOvr>
+</p:sld>
+</file>
+
+<file path=ppt/slides/slide6.xml><?xml version="1.0" encoding="utf-8"?>
+<p:sld xmlns:a="http://schemas.openxmlformats.org/drawingml/2006/main" xmlns:r="http://schemas.openxmlformats.org/officeDocument/2006/relationships" xmlns:mc="http://schemas.openxmlformats.org/markup-compatibility/2006" xmlns:mv="urn:schemas-microsoft-com:mac:vml" xmlns:p="http://schemas.openxmlformats.org/presentationml/2006/main" xmlns:c="http://schemas.openxmlformats.org/drawingml/2006/chart" xmlns:dgm="http://schemas.openxmlformats.org/drawingml/2006/diagram" xmlns:o="urn:schemas-microsoft-com:office:office" xmlns:v="urn:schemas-microsoft-com:vml" xmlns:pvml="urn:schemas-microsoft-com:office:powerpoint" xmlns:com="http://schemas.openxmlformats.org/drawingml/2006/compatibility" xmlns:p14="http://schemas.microsoft.com/office/powerpoint/2010/main" xmlns:p15="http://schemas.microsoft.com/office/powerpoint/2012/main">
+  <p:cSld>
+    <p:spTree>
+      <p:nvGrpSpPr>
+        <p:cNvPr id="114" name="Shape 114"/>
+        <p:cNvGrpSpPr/>
+        <p:nvPr/>
+      </p:nvGrpSpPr>
+      <p:grpSpPr>
+        <a:xfrm>
+          <a:off x="0" y="0"/>
+          <a:ext cx="0" cy="0"/>
+          <a:chOff x="0" y="0"/>
+          <a:chExt cx="0" cy="0"/>
+        </a:xfrm>
+      </p:grpSpPr>
+      <p:sp>
+        <p:nvSpPr>
+          <p:cNvPr id="115" name="Google Shape;115;p5"/>
           <p:cNvSpPr txBox="1"/>
           <p:nvPr>
             <p:ph type="title"/>
@@ -11785,7 +14374,7 @@
       </p:sp>
       <p:sp>
         <p:nvSpPr>
-          <p:cNvPr id="109" name="Google Shape;109;p5"/>
+          <p:cNvPr id="116" name="Google Shape;116;p5"/>
           <p:cNvSpPr txBox="1"/>
           <p:nvPr>
             <p:ph idx="1" type="body"/>
@@ -11873,12 +14462,12 @@
 </p:sld>
 </file>
 
-<file path=ppt/slides/slide6.xml><?xml version="1.0" encoding="utf-8"?>
+<file path=ppt/slides/slide7.xml><?xml version="1.0" encoding="utf-8"?>
 <p:sld xmlns:a="http://schemas.openxmlformats.org/drawingml/2006/main" xmlns:r="http://schemas.openxmlformats.org/officeDocument/2006/relationships" xmlns:mc="http://schemas.openxmlformats.org/markup-compatibility/2006" xmlns:mv="urn:schemas-microsoft-com:mac:vml" xmlns:p="http://schemas.openxmlformats.org/presentationml/2006/main" xmlns:c="http://schemas.openxmlformats.org/drawingml/2006/chart" xmlns:dgm="http://schemas.openxmlformats.org/drawingml/2006/diagram" xmlns:o="urn:schemas-microsoft-com:office:office" xmlns:v="urn:schemas-microsoft-com:vml" xmlns:pvml="urn:schemas-microsoft-com:office:powerpoint" xmlns:com="http://schemas.openxmlformats.org/drawingml/2006/compatibility" xmlns:p14="http://schemas.microsoft.com/office/powerpoint/2010/main" xmlns:p15="http://schemas.microsoft.com/office/powerpoint/2012/main">
   <p:cSld>
     <p:spTree>
       <p:nvGrpSpPr>
-        <p:cNvPr id="113" name="Shape 113"/>
+        <p:cNvPr id="120" name="Shape 120"/>
         <p:cNvGrpSpPr/>
         <p:nvPr/>
       </p:nvGrpSpPr>
@@ -11892,7 +14481,7 @@
       </p:grpSpPr>
       <p:sp>
         <p:nvSpPr>
-          <p:cNvPr id="114" name="Google Shape;114;p6"/>
+          <p:cNvPr id="121" name="Google Shape;121;p6"/>
           <p:cNvSpPr txBox="1"/>
           <p:nvPr>
             <p:ph type="title"/>
@@ -11941,7 +14530,7 @@
       </p:sp>
       <p:sp>
         <p:nvSpPr>
-          <p:cNvPr id="115" name="Google Shape;115;p6"/>
+          <p:cNvPr id="122" name="Google Shape;122;p6"/>
           <p:cNvSpPr txBox="1"/>
           <p:nvPr>
             <p:ph idx="1" type="body"/>
@@ -11977,10 +14566,22 @@
               <a:buChar char="•"/>
             </a:pPr>
             <a:r>
-              <a:rPr lang="en-US"/>
+              <a:rPr lang="en-US">
+                <a:extLst>
+                  <a:ext uri="http://customooxmlschemas.google.com/">
+                    <go:slidesCustomData xmlns:go="http://customooxmlschemas.google.com/" textRoundtripDataId="7"/>
+                  </a:ext>
+                </a:extLst>
+              </a:rPr>
               <a:t>Realizar Autenticação: 05/09 (front e back)</a:t>
             </a:r>
-            <a:endParaRPr/>
+            <a:endParaRPr>
+              <a:extLst>
+                <a:ext uri="http://customooxmlschemas.google.com/">
+                  <go:slidesCustomData xmlns:go="http://customooxmlschemas.google.com/" textRoundtripDataId="8"/>
+                </a:ext>
+              </a:extLst>
+            </a:endParaRPr>
           </a:p>
           <a:p>
             <a:pPr indent="-342900" lvl="0" marL="342900" rtl="0" algn="l">
@@ -11994,10 +14595,22 @@
               <a:buChar char="•"/>
             </a:pPr>
             <a:r>
-              <a:rPr lang="en-US"/>
+              <a:rPr lang="en-US">
+                <a:extLst>
+                  <a:ext uri="http://customooxmlschemas.google.com/">
+                    <go:slidesCustomData xmlns:go="http://customooxmlschemas.google.com/" textRoundtripDataId="9"/>
+                  </a:ext>
+                </a:extLst>
+              </a:rPr>
               <a:t>Gerenciar Reunião: 11/09 (front)- 10/09 (back)</a:t>
             </a:r>
-            <a:endParaRPr/>
+            <a:endParaRPr>
+              <a:extLst>
+                <a:ext uri="http://customooxmlschemas.google.com/">
+                  <go:slidesCustomData xmlns:go="http://customooxmlschemas.google.com/" textRoundtripDataId="10"/>
+                </a:ext>
+              </a:extLst>
+            </a:endParaRPr>
           </a:p>
           <a:p>
             <a:pPr indent="-342900" lvl="0" marL="342900" rtl="0" algn="l">
@@ -12011,10 +14624,22 @@
               <a:buChar char="•"/>
             </a:pPr>
             <a:r>
-              <a:rPr lang="en-US"/>
+              <a:rPr lang="en-US">
+                <a:extLst>
+                  <a:ext uri="http://customooxmlschemas.google.com/">
+                    <go:slidesCustomData xmlns:go="http://customooxmlschemas.google.com/" textRoundtripDataId="11"/>
+                  </a:ext>
+                </a:extLst>
+              </a:rPr>
               <a:t>Sugerir item para a pauta: 09/09 (front)- 11/09 (back)</a:t>
             </a:r>
-            <a:endParaRPr/>
+            <a:endParaRPr>
+              <a:extLst>
+                <a:ext uri="http://customooxmlschemas.google.com/">
+                  <go:slidesCustomData xmlns:go="http://customooxmlschemas.google.com/" textRoundtripDataId="12"/>
+                </a:ext>
+              </a:extLst>
+            </a:endParaRPr>
           </a:p>
           <a:p>
             <a:pPr indent="-342900" lvl="0" marL="342900" rtl="0" algn="l">
@@ -12028,7 +14653,13 @@
               <a:buChar char="•"/>
             </a:pPr>
             <a:r>
-              <a:rPr lang="en-US"/>
+              <a:rPr lang="en-US">
+                <a:extLst>
+                  <a:ext uri="http://customooxmlschemas.google.com/">
+                    <go:slidesCustomData xmlns:go="http://customooxmlschemas.google.com/" textRoundtripDataId="13"/>
+                  </a:ext>
+                </a:extLst>
+              </a:rPr>
               <a:t>Gerenciar campus: 11/09 (front)- 12/09 (back) </a:t>
             </a:r>
             <a:endParaRPr/>
